--- a/imc17-pto-poster/imc17-pto-poster.pptx
+++ b/imc17-pto-poster/imc17-pto-poster.pptx
@@ -1398,9 +1398,51 @@
                 <a:ea typeface="Helvetica Neue" charset="0"/>
                 <a:cs typeface="Helvetica Neue" charset="0"/>
               </a:rPr>
-              <a:t>An Observatory for Internet Path Transparency</a:t>
-            </a:r>
-            <a:endParaRPr lang="en-US" sz="9600" b="1" dirty="0">
+              <a:t>An Observatory for Internet Path </a:t>
+            </a:r>
+            <a:r>
+              <a:rPr lang="en-US" sz="9600" b="1" dirty="0" smtClean="0">
+                <a:latin typeface="Helvetica Neue" charset="0"/>
+                <a:ea typeface="Helvetica Neue" charset="0"/>
+                <a:cs typeface="Helvetica Neue" charset="0"/>
+              </a:rPr>
+              <a:t>Transparency</a:t>
+            </a:r>
+          </a:p>
+          <a:p>
+            <a:r>
+              <a:rPr lang="en-US" sz="4800" b="1" dirty="0" err="1" smtClean="0">
+                <a:latin typeface="Helvetica Neue" charset="0"/>
+                <a:ea typeface="Helvetica Neue" charset="0"/>
+                <a:cs typeface="Helvetica Neue" charset="0"/>
+              </a:rPr>
+              <a:t>Mirja</a:t>
+            </a:r>
+            <a:r>
+              <a:rPr lang="en-US" sz="4800" b="1" dirty="0" smtClean="0">
+                <a:latin typeface="Helvetica Neue" charset="0"/>
+                <a:ea typeface="Helvetica Neue" charset="0"/>
+                <a:cs typeface="Helvetica Neue" charset="0"/>
+              </a:rPr>
+              <a:t> </a:t>
+            </a:r>
+            <a:r>
+              <a:rPr lang="en-US" sz="4800" b="1" dirty="0" err="1" smtClean="0">
+                <a:latin typeface="Helvetica Neue" charset="0"/>
+                <a:ea typeface="Helvetica Neue" charset="0"/>
+                <a:cs typeface="Helvetica Neue" charset="0"/>
+              </a:rPr>
+              <a:t>Kühlewind</a:t>
+            </a:r>
+            <a:r>
+              <a:rPr lang="en-US" sz="4800" b="1" dirty="0" smtClean="0">
+                <a:latin typeface="Helvetica Neue" charset="0"/>
+                <a:ea typeface="Helvetica Neue" charset="0"/>
+                <a:cs typeface="Helvetica Neue" charset="0"/>
+              </a:rPr>
+              <a:t> and Brian Trammell, ETH Zürich</a:t>
+            </a:r>
+            <a:endParaRPr lang="en-US" sz="4800" b="1" dirty="0">
               <a:latin typeface="Helvetica Neue" charset="0"/>
               <a:ea typeface="Helvetica Neue" charset="0"/>
               <a:cs typeface="Helvetica Neue" charset="0"/>
@@ -1408,54 +1450,6 @@
           </a:p>
         </p:txBody>
       </p:sp>
-      <p:pic>
-        <p:nvPicPr>
-          <p:cNvPr id="4" name="Picture 3"/>
-          <p:cNvPicPr>
-            <a:picLocks noChangeAspect="1"/>
-          </p:cNvPicPr>
-          <p:nvPr/>
-        </p:nvPicPr>
-        <p:blipFill>
-          <a:blip r:embed="rId2"/>
-          <a:stretch>
-            <a:fillRect/>
-          </a:stretch>
-        </p:blipFill>
-        <p:spPr>
-          <a:xfrm>
-            <a:off x="1985198" y="13923032"/>
-            <a:ext cx="12594424" cy="14503900"/>
-          </a:xfrm>
-          <a:prstGeom prst="rect">
-            <a:avLst/>
-          </a:prstGeom>
-        </p:spPr>
-      </p:pic>
-      <p:pic>
-        <p:nvPicPr>
-          <p:cNvPr id="5" name="Picture 4"/>
-          <p:cNvPicPr>
-            <a:picLocks noChangeAspect="1"/>
-          </p:cNvPicPr>
-          <p:nvPr/>
-        </p:nvPicPr>
-        <p:blipFill>
-          <a:blip r:embed="rId3"/>
-          <a:stretch>
-            <a:fillRect/>
-          </a:stretch>
-        </p:blipFill>
-        <p:spPr>
-          <a:xfrm>
-            <a:off x="21513385" y="16469566"/>
-            <a:ext cx="6832600" cy="7200900"/>
-          </a:xfrm>
-          <a:prstGeom prst="rect">
-            <a:avLst/>
-          </a:prstGeom>
-        </p:spPr>
-      </p:pic>
       <p:sp>
         <p:nvSpPr>
           <p:cNvPr id="18" name="Abgerundetes Rechteck 35"/>
@@ -1570,35 +1564,6 @@
           </a:p>
         </p:txBody>
       </p:sp>
-      <p:pic>
-        <p:nvPicPr>
-          <p:cNvPr id="46" name="image5.png"/>
-          <p:cNvPicPr>
-            <a:picLocks noChangeAspect="1"/>
-          </p:cNvPicPr>
-          <p:nvPr/>
-        </p:nvPicPr>
-        <p:blipFill>
-          <a:blip r:embed="rId4">
-            <a:extLst/>
-          </a:blip>
-          <a:stretch>
-            <a:fillRect/>
-          </a:stretch>
-        </p:blipFill>
-        <p:spPr>
-          <a:xfrm>
-            <a:off x="-7139315" y="23682967"/>
-            <a:ext cx="2190750" cy="2190750"/>
-          </a:xfrm>
-          <a:prstGeom prst="rect">
-            <a:avLst/>
-          </a:prstGeom>
-          <a:ln w="12700">
-            <a:miter lim="400000"/>
-          </a:ln>
-        </p:spPr>
-      </p:pic>
       <p:sp>
         <p:nvSpPr>
           <p:cNvPr id="19" name="Abgerundetes Rechteck 35"/>
@@ -1607,11 +1572,13 @@
         </p:nvSpPr>
         <p:spPr>
           <a:xfrm>
-            <a:off x="36107264" y="17543577"/>
-            <a:ext cx="11456971" cy="13502640"/>
+            <a:off x="622361" y="7971731"/>
+            <a:ext cx="14400508" cy="8884472"/>
           </a:xfrm>
           <a:prstGeom prst="roundRect">
-            <a:avLst/>
+            <a:avLst>
+              <a:gd name="adj" fmla="val 10786"/>
+            </a:avLst>
           </a:prstGeom>
           <a:noFill/>
           <a:ln w="127000">
@@ -1653,7 +1620,7 @@
         </p:nvSpPr>
         <p:spPr>
           <a:xfrm>
-            <a:off x="37426169" y="16469566"/>
+            <a:off x="1941265" y="6897720"/>
             <a:ext cx="6864643" cy="1898650"/>
           </a:xfrm>
           <a:prstGeom prst="roundRect">
@@ -1700,7 +1667,7 @@
                 <a:ea typeface="Helvetica Neue" charset="0"/>
                 <a:cs typeface="Helvetica Neue" charset="0"/>
               </a:rPr>
-              <a:t>Repeatability</a:t>
+              <a:t>Why?</a:t>
             </a:r>
             <a:endParaRPr lang="en-US" b="1" dirty="0">
               <a:solidFill>
@@ -1713,35 +1680,6 @@
           </a:p>
         </p:txBody>
       </p:sp>
-      <p:pic>
-        <p:nvPicPr>
-          <p:cNvPr id="22" name="image5.png"/>
-          <p:cNvPicPr>
-            <a:picLocks noChangeAspect="1"/>
-          </p:cNvPicPr>
-          <p:nvPr/>
-        </p:nvPicPr>
-        <p:blipFill>
-          <a:blip r:embed="rId4">
-            <a:extLst/>
-          </a:blip>
-          <a:stretch>
-            <a:fillRect/>
-          </a:stretch>
-        </p:blipFill>
-        <p:spPr>
-          <a:xfrm>
-            <a:off x="45451274" y="16448202"/>
-            <a:ext cx="2190750" cy="2190750"/>
-          </a:xfrm>
-          <a:prstGeom prst="rect">
-            <a:avLst/>
-          </a:prstGeom>
-          <a:ln w="12700">
-            <a:miter lim="400000"/>
-          </a:ln>
-        </p:spPr>
-      </p:pic>
       <p:sp>
         <p:nvSpPr>
           <p:cNvPr id="23" name="Abgerundetes Rechteck 35"/>
@@ -1856,45 +1794,430 @@
           </a:p>
         </p:txBody>
       </p:sp>
+      <p:grpSp>
+        <p:nvGrpSpPr>
+          <p:cNvPr id="2" name="Group 1"/>
+          <p:cNvGrpSpPr/>
+          <p:nvPr/>
+        </p:nvGrpSpPr>
+        <p:grpSpPr>
+          <a:xfrm>
+            <a:off x="16583948" y="30211268"/>
+            <a:ext cx="10511121" cy="7296159"/>
+            <a:chOff x="17834864" y="17543577"/>
+            <a:chExt cx="10511121" cy="7296159"/>
+          </a:xfrm>
+        </p:grpSpPr>
+        <p:pic>
+          <p:nvPicPr>
+            <p:cNvPr id="5" name="Picture 4"/>
+            <p:cNvPicPr>
+              <a:picLocks noChangeAspect="1"/>
+            </p:cNvPicPr>
+            <p:nvPr/>
+          </p:nvPicPr>
+          <p:blipFill>
+            <a:blip r:embed="rId2"/>
+            <a:stretch>
+              <a:fillRect/>
+            </a:stretch>
+          </p:blipFill>
+          <p:spPr>
+            <a:xfrm>
+              <a:off x="21513385" y="17638836"/>
+              <a:ext cx="6832600" cy="7200900"/>
+            </a:xfrm>
+            <a:prstGeom prst="rect">
+              <a:avLst/>
+            </a:prstGeom>
+          </p:spPr>
+        </p:pic>
+        <p:sp>
+          <p:nvSpPr>
+            <p:cNvPr id="8" name="TextBox 7"/>
+            <p:cNvSpPr txBox="1"/>
+            <p:nvPr/>
+          </p:nvSpPr>
+          <p:spPr>
+            <a:xfrm>
+              <a:off x="18299453" y="17543577"/>
+              <a:ext cx="2959139" cy="923330"/>
+            </a:xfrm>
+            <a:prstGeom prst="rect">
+              <a:avLst/>
+            </a:prstGeom>
+            <a:noFill/>
+          </p:spPr>
+          <p:txBody>
+            <a:bodyPr wrap="square" rtlCol="0">
+              <a:spAutoFit/>
+            </a:bodyPr>
+            <a:lstStyle/>
+            <a:p>
+              <a:pPr algn="r"/>
+              <a:r>
+                <a:rPr lang="en-US" sz="1800" b="1" dirty="0" smtClean="0">
+                  <a:latin typeface="Helvetica Neue" charset="0"/>
+                  <a:ea typeface="Helvetica Neue" charset="0"/>
+                  <a:cs typeface="Helvetica Neue" charset="0"/>
+                </a:rPr>
+                <a:t>Raw</a:t>
+              </a:r>
+              <a:r>
+                <a:rPr lang="en-US" sz="1800" dirty="0" smtClean="0">
+                  <a:latin typeface="Helvetica Neue" charset="0"/>
+                  <a:ea typeface="Helvetica Neue" charset="0"/>
+                  <a:cs typeface="Helvetica Neue" charset="0"/>
+                </a:rPr>
+                <a:t> metadata includes </a:t>
+              </a:r>
+            </a:p>
+            <a:p>
+              <a:pPr algn="r"/>
+              <a:r>
+                <a:rPr lang="en-US" sz="1800" dirty="0" smtClean="0">
+                  <a:latin typeface="Helvetica Neue" charset="0"/>
+                  <a:ea typeface="Helvetica Neue" charset="0"/>
+                  <a:cs typeface="Helvetica Neue" charset="0"/>
+                </a:rPr>
+                <a:t>file format definition and </a:t>
+              </a:r>
+            </a:p>
+            <a:p>
+              <a:pPr algn="r"/>
+              <a:r>
+                <a:rPr lang="en-US" sz="1800" dirty="0" smtClean="0">
+                  <a:latin typeface="Helvetica Neue" charset="0"/>
+                  <a:ea typeface="Helvetica Neue" charset="0"/>
+                  <a:cs typeface="Helvetica Neue" charset="0"/>
+                </a:rPr>
+                <a:t>owner contact information.</a:t>
+              </a:r>
+              <a:endParaRPr lang="en-US" sz="1800" dirty="0">
+                <a:latin typeface="Helvetica Neue" charset="0"/>
+                <a:ea typeface="Helvetica Neue" charset="0"/>
+                <a:cs typeface="Helvetica Neue" charset="0"/>
+              </a:endParaRPr>
+            </a:p>
+          </p:txBody>
+        </p:sp>
+        <p:sp>
+          <p:nvSpPr>
+            <p:cNvPr id="26" name="TextBox 25"/>
+            <p:cNvSpPr txBox="1"/>
+            <p:nvPr/>
+          </p:nvSpPr>
+          <p:spPr>
+            <a:xfrm>
+              <a:off x="17834864" y="18856286"/>
+              <a:ext cx="3423728" cy="923330"/>
+            </a:xfrm>
+            <a:prstGeom prst="rect">
+              <a:avLst/>
+            </a:prstGeom>
+            <a:noFill/>
+          </p:spPr>
+          <p:txBody>
+            <a:bodyPr wrap="square" rtlCol="0">
+              <a:spAutoFit/>
+            </a:bodyPr>
+            <a:lstStyle/>
+            <a:p>
+              <a:pPr algn="r"/>
+              <a:r>
+                <a:rPr lang="en-US" sz="1800" b="1" dirty="0" smtClean="0">
+                  <a:latin typeface="Helvetica Neue" charset="0"/>
+                  <a:ea typeface="Helvetica Neue" charset="0"/>
+                  <a:cs typeface="Helvetica Neue" charset="0"/>
+                </a:rPr>
+                <a:t>Analysis</a:t>
+              </a:r>
+              <a:r>
+                <a:rPr lang="en-US" sz="1800" dirty="0" smtClean="0">
+                  <a:latin typeface="Helvetica Neue" charset="0"/>
+                  <a:ea typeface="Helvetica Neue" charset="0"/>
+                  <a:cs typeface="Helvetica Neue" charset="0"/>
+                </a:rPr>
+                <a:t> metadata includes commit-specific reference to  platform-independent sources.</a:t>
+              </a:r>
+              <a:endParaRPr lang="en-US" sz="1800" dirty="0">
+                <a:latin typeface="Helvetica Neue" charset="0"/>
+                <a:ea typeface="Helvetica Neue" charset="0"/>
+                <a:cs typeface="Helvetica Neue" charset="0"/>
+              </a:endParaRPr>
+            </a:p>
+          </p:txBody>
+        </p:sp>
+        <p:sp>
+          <p:nvSpPr>
+            <p:cNvPr id="27" name="TextBox 26"/>
+            <p:cNvSpPr txBox="1"/>
+            <p:nvPr/>
+          </p:nvSpPr>
+          <p:spPr>
+            <a:xfrm>
+              <a:off x="18366687" y="20332805"/>
+              <a:ext cx="3423728" cy="923330"/>
+            </a:xfrm>
+            <a:prstGeom prst="rect">
+              <a:avLst/>
+            </a:prstGeom>
+            <a:noFill/>
+          </p:spPr>
+          <p:txBody>
+            <a:bodyPr wrap="square" rtlCol="0">
+              <a:spAutoFit/>
+            </a:bodyPr>
+            <a:lstStyle/>
+            <a:p>
+              <a:pPr algn="r"/>
+              <a:r>
+                <a:rPr lang="en-US" sz="1800" dirty="0" smtClean="0">
+                  <a:latin typeface="Helvetica Neue" charset="0"/>
+                  <a:ea typeface="Helvetica Neue" charset="0"/>
+                  <a:cs typeface="Helvetica Neue" charset="0"/>
+                </a:rPr>
+                <a:t>Observations are grouped into </a:t>
+              </a:r>
+              <a:r>
+                <a:rPr lang="en-US" sz="1800" b="1" dirty="0" smtClean="0">
+                  <a:latin typeface="Helvetica Neue" charset="0"/>
+                  <a:ea typeface="Helvetica Neue" charset="0"/>
+                  <a:cs typeface="Helvetica Neue" charset="0"/>
+                </a:rPr>
+                <a:t>observation sets</a:t>
+              </a:r>
+              <a:r>
+                <a:rPr lang="en-US" sz="1800" dirty="0" smtClean="0">
+                  <a:latin typeface="Helvetica Neue" charset="0"/>
+                  <a:ea typeface="Helvetica Neue" charset="0"/>
+                  <a:cs typeface="Helvetica Neue" charset="0"/>
+                </a:rPr>
+                <a:t>, which </a:t>
+              </a:r>
+              <a:r>
+                <a:rPr lang="en-US" sz="1800" b="1" dirty="0" smtClean="0">
+                  <a:latin typeface="Helvetica Neue" charset="0"/>
+                  <a:ea typeface="Helvetica Neue" charset="0"/>
+                  <a:cs typeface="Helvetica Neue" charset="0"/>
+                </a:rPr>
+                <a:t>share common provenance.</a:t>
+              </a:r>
+            </a:p>
+          </p:txBody>
+        </p:sp>
+        <p:sp>
+          <p:nvSpPr>
+            <p:cNvPr id="28" name="TextBox 27"/>
+            <p:cNvSpPr txBox="1"/>
+            <p:nvPr/>
+          </p:nvSpPr>
+          <p:spPr>
+            <a:xfrm>
+              <a:off x="18146925" y="21713031"/>
+              <a:ext cx="3643490" cy="1200329"/>
+            </a:xfrm>
+            <a:prstGeom prst="rect">
+              <a:avLst/>
+            </a:prstGeom>
+            <a:noFill/>
+          </p:spPr>
+          <p:txBody>
+            <a:bodyPr wrap="square" rtlCol="0">
+              <a:spAutoFit/>
+            </a:bodyPr>
+            <a:lstStyle/>
+            <a:p>
+              <a:pPr algn="r"/>
+              <a:r>
+                <a:rPr lang="en-US" sz="1800" b="1" dirty="0" smtClean="0">
+                  <a:latin typeface="Helvetica Neue" charset="0"/>
+                  <a:ea typeface="Helvetica Neue" charset="0"/>
+                  <a:cs typeface="Helvetica Neue" charset="0"/>
+                </a:rPr>
+                <a:t>Observation set </a:t>
+              </a:r>
+              <a:r>
+                <a:rPr lang="en-US" sz="1800" smtClean="0">
+                  <a:latin typeface="Helvetica Neue" charset="0"/>
+                  <a:ea typeface="Helvetica Neue" charset="0"/>
+                  <a:cs typeface="Helvetica Neue" charset="0"/>
+                </a:rPr>
+                <a:t>metadata links </a:t>
+              </a:r>
+              <a:r>
+                <a:rPr lang="en-US" sz="1800" dirty="0" smtClean="0">
+                  <a:latin typeface="Helvetica Neue" charset="0"/>
+                  <a:ea typeface="Helvetica Neue" charset="0"/>
+                  <a:cs typeface="Helvetica Neue" charset="0"/>
+                </a:rPr>
+                <a:t>to observations and raw data files from which they are derived, plus analysis that produced them.</a:t>
+              </a:r>
+            </a:p>
+          </p:txBody>
+        </p:sp>
+        <p:sp>
+          <p:nvSpPr>
+            <p:cNvPr id="29" name="TextBox 28"/>
+            <p:cNvSpPr txBox="1"/>
+            <p:nvPr/>
+          </p:nvSpPr>
+          <p:spPr>
+            <a:xfrm>
+              <a:off x="19097067" y="23639407"/>
+              <a:ext cx="3423728" cy="1200329"/>
+            </a:xfrm>
+            <a:prstGeom prst="rect">
+              <a:avLst/>
+            </a:prstGeom>
+            <a:noFill/>
+          </p:spPr>
+          <p:txBody>
+            <a:bodyPr wrap="square" rtlCol="0">
+              <a:spAutoFit/>
+            </a:bodyPr>
+            <a:lstStyle/>
+            <a:p>
+              <a:pPr algn="r"/>
+              <a:r>
+                <a:rPr lang="en-US" sz="1800" b="1" dirty="0" smtClean="0">
+                  <a:latin typeface="Helvetica Neue" charset="0"/>
+                  <a:ea typeface="Helvetica Neue" charset="0"/>
+                  <a:cs typeface="Helvetica Neue" charset="0"/>
+                </a:rPr>
+                <a:t>Queries </a:t>
+              </a:r>
+              <a:r>
+                <a:rPr lang="en-US" sz="1800" dirty="0" smtClean="0">
+                  <a:latin typeface="Helvetica Neue" charset="0"/>
+                  <a:ea typeface="Helvetica Neue" charset="0"/>
+                  <a:cs typeface="Helvetica Neue" charset="0"/>
+                </a:rPr>
+                <a:t>can be made permanently cacheable, and metadata links </a:t>
+              </a:r>
+              <a:r>
+                <a:rPr lang="en-US" sz="1800" smtClean="0">
+                  <a:latin typeface="Helvetica Neue" charset="0"/>
+                  <a:ea typeface="Helvetica Neue" charset="0"/>
+                  <a:cs typeface="Helvetica Neue" charset="0"/>
+                </a:rPr>
+                <a:t>to observation sets involved in query results. </a:t>
+              </a:r>
+              <a:endParaRPr lang="en-US" sz="1800" b="1" dirty="0" smtClean="0">
+                <a:latin typeface="Helvetica Neue" charset="0"/>
+                <a:ea typeface="Helvetica Neue" charset="0"/>
+                <a:cs typeface="Helvetica Neue" charset="0"/>
+              </a:endParaRPr>
+            </a:p>
+          </p:txBody>
+        </p:sp>
+      </p:grpSp>
       <p:pic>
         <p:nvPicPr>
-          <p:cNvPr id="25" name="image5.png"/>
+          <p:cNvPr id="6" name="Picture 5"/>
           <p:cNvPicPr>
             <a:picLocks noChangeAspect="1"/>
           </p:cNvPicPr>
           <p:nvPr/>
         </p:nvPicPr>
         <p:blipFill>
-          <a:blip r:embed="rId4">
-            <a:extLst/>
-          </a:blip>
+          <a:blip r:embed="rId3"/>
           <a:stretch>
             <a:fillRect/>
           </a:stretch>
         </p:blipFill>
         <p:spPr>
           <a:xfrm>
-            <a:off x="-5324102" y="3396421"/>
-            <a:ext cx="2190750" cy="2190750"/>
+            <a:off x="2413442" y="30211268"/>
+            <a:ext cx="10252426" cy="5510310"/>
           </a:xfrm>
           <a:prstGeom prst="rect">
             <a:avLst/>
           </a:prstGeom>
-          <a:ln w="12700">
-            <a:miter lim="400000"/>
-          </a:ln>
+        </p:spPr>
+      </p:pic>
+      <p:pic>
+        <p:nvPicPr>
+          <p:cNvPr id="7" name="Picture 6"/>
+          <p:cNvPicPr>
+            <a:picLocks noChangeAspect="1"/>
+          </p:cNvPicPr>
+          <p:nvPr/>
+        </p:nvPicPr>
+        <p:blipFill>
+          <a:blip r:embed="rId4"/>
+          <a:stretch>
+            <a:fillRect/>
+          </a:stretch>
+        </p:blipFill>
+        <p:spPr>
+          <a:xfrm>
+            <a:off x="2273259" y="36273025"/>
+            <a:ext cx="4598135" cy="1200329"/>
+          </a:xfrm>
+          <a:prstGeom prst="rect">
+            <a:avLst/>
+          </a:prstGeom>
+        </p:spPr>
+      </p:pic>
+      <p:pic>
+        <p:nvPicPr>
+          <p:cNvPr id="9" name="Picture 8"/>
+          <p:cNvPicPr>
+            <a:picLocks noChangeAspect="1"/>
+          </p:cNvPicPr>
+          <p:nvPr/>
+        </p:nvPicPr>
+        <p:blipFill>
+          <a:blip r:embed="rId5"/>
+          <a:stretch>
+            <a:fillRect/>
+          </a:stretch>
+        </p:blipFill>
+        <p:spPr>
+          <a:xfrm>
+            <a:off x="7675517" y="36273025"/>
+            <a:ext cx="5000130" cy="1200329"/>
+          </a:xfrm>
+          <a:prstGeom prst="rect">
+            <a:avLst/>
+          </a:prstGeom>
+        </p:spPr>
+      </p:pic>
+      <p:pic>
+        <p:nvPicPr>
+          <p:cNvPr id="10" name="Picture 9"/>
+          <p:cNvPicPr>
+            <a:picLocks noChangeAspect="1"/>
+          </p:cNvPicPr>
+          <p:nvPr/>
+        </p:nvPicPr>
+        <p:blipFill>
+          <a:blip r:embed="rId6"/>
+          <a:stretch>
+            <a:fillRect/>
+          </a:stretch>
+        </p:blipFill>
+        <p:spPr>
+          <a:xfrm>
+            <a:off x="17392178" y="10247999"/>
+            <a:ext cx="9960605" cy="11470761"/>
+          </a:xfrm>
+          <a:prstGeom prst="rect">
+            <a:avLst/>
+          </a:prstGeom>
         </p:spPr>
       </p:pic>
       <p:sp>
         <p:nvSpPr>
-          <p:cNvPr id="8" name="TextBox 7"/>
+          <p:cNvPr id="11" name="TextBox 10"/>
           <p:cNvSpPr txBox="1"/>
           <p:nvPr/>
         </p:nvSpPr>
         <p:spPr>
           <a:xfrm>
-            <a:off x="18299453" y="16374307"/>
-            <a:ext cx="2959139" cy="923330"/>
+            <a:off x="1253528" y="9012177"/>
+            <a:ext cx="13507501" cy="7478970"/>
           </a:xfrm>
           <a:prstGeom prst="rect">
             <a:avLst/>
@@ -1907,63 +2230,136 @@
           </a:bodyPr>
           <a:lstStyle/>
           <a:p>
-            <a:pPr algn="r"/>
-            <a:r>
-              <a:rPr lang="en-US" sz="1800" b="1" dirty="0" smtClean="0">
-                <a:latin typeface="Helvetica Neue" charset="0"/>
-                <a:ea typeface="Helvetica Neue" charset="0"/>
-                <a:cs typeface="Helvetica Neue" charset="0"/>
-              </a:rPr>
-              <a:t>Raw</a:t>
-            </a:r>
-            <a:r>
-              <a:rPr lang="en-US" sz="1800" dirty="0" smtClean="0">
-                <a:latin typeface="Helvetica Neue" charset="0"/>
-                <a:ea typeface="Helvetica Neue" charset="0"/>
-                <a:cs typeface="Helvetica Neue" charset="0"/>
-              </a:rPr>
-              <a:t> metadata includes </a:t>
+            <a:pPr marL="685800" indent="-685800">
+              <a:buFont typeface="Arial" charset="0"/>
+              <a:buChar char="•"/>
+            </a:pPr>
+            <a:r>
+              <a:rPr lang="en-US" sz="4800" dirty="0" smtClean="0">
+                <a:latin typeface="Helvetica Neue" charset="0"/>
+                <a:ea typeface="Helvetica Neue" charset="0"/>
+                <a:cs typeface="Helvetica Neue" charset="0"/>
+              </a:rPr>
+              <a:t>Rampant deployment of </a:t>
+            </a:r>
+            <a:r>
+              <a:rPr lang="en-US" sz="4800" dirty="0" err="1" smtClean="0">
+                <a:latin typeface="Helvetica Neue" charset="0"/>
+                <a:ea typeface="Helvetica Neue" charset="0"/>
+                <a:cs typeface="Helvetica Neue" charset="0"/>
+              </a:rPr>
+              <a:t>middleboxes</a:t>
+            </a:r>
+            <a:r>
+              <a:rPr lang="en-US" sz="4800" dirty="0" smtClean="0">
+                <a:latin typeface="Helvetica Neue" charset="0"/>
+                <a:ea typeface="Helvetica Neue" charset="0"/>
+                <a:cs typeface="Helvetica Neue" charset="0"/>
+              </a:rPr>
+              <a:t> means the Internet is no longer end-to-end.</a:t>
             </a:r>
           </a:p>
           <a:p>
-            <a:pPr algn="r"/>
-            <a:r>
-              <a:rPr lang="en-US" sz="1800" dirty="0" smtClean="0">
-                <a:latin typeface="Helvetica Neue" charset="0"/>
-                <a:ea typeface="Helvetica Neue" charset="0"/>
-                <a:cs typeface="Helvetica Neue" charset="0"/>
-              </a:rPr>
-              <a:t>file format definition and </a:t>
+            <a:pPr marL="685800" indent="-685800">
+              <a:buFont typeface="Arial" charset="0"/>
+              <a:buChar char="•"/>
+            </a:pPr>
+            <a:r>
+              <a:rPr lang="en-US" sz="4800" dirty="0" smtClean="0">
+                <a:latin typeface="Helvetica Neue" charset="0"/>
+                <a:ea typeface="Helvetica Neue" charset="0"/>
+                <a:cs typeface="Helvetica Neue" charset="0"/>
+              </a:rPr>
+              <a:t>New protocols and protocol extensions need to work around impairments on path</a:t>
             </a:r>
           </a:p>
           <a:p>
-            <a:pPr algn="r"/>
-            <a:r>
-              <a:rPr lang="en-US" sz="1800" dirty="0" smtClean="0">
-                <a:latin typeface="Helvetica Neue" charset="0"/>
-                <a:ea typeface="Helvetica Neue" charset="0"/>
-                <a:cs typeface="Helvetica Neue" charset="0"/>
-              </a:rPr>
-              <a:t>owner contact information.</a:t>
-            </a:r>
-            <a:endParaRPr lang="en-US" sz="1800" dirty="0">
+            <a:pPr marL="685800" indent="-685800">
+              <a:buFont typeface="Arial" charset="0"/>
+              <a:buChar char="•"/>
+            </a:pPr>
+            <a:r>
+              <a:rPr lang="en-US" sz="4800" dirty="0" smtClean="0">
+                <a:latin typeface="Helvetica Neue" charset="0"/>
+                <a:ea typeface="Helvetica Neue" charset="0"/>
+                <a:cs typeface="Helvetica Neue" charset="0"/>
+              </a:rPr>
+              <a:t>These efforts should be guided by data about  relative prevalence of these impairments.</a:t>
+            </a:r>
+          </a:p>
+          <a:p>
+            <a:pPr marL="685800" indent="-685800">
+              <a:buFont typeface="Arial" charset="0"/>
+              <a:buChar char="•"/>
+            </a:pPr>
+            <a:endParaRPr lang="en-US" sz="4800" dirty="0" smtClean="0">
               <a:latin typeface="Helvetica Neue" charset="0"/>
               <a:ea typeface="Helvetica Neue" charset="0"/>
               <a:cs typeface="Helvetica Neue" charset="0"/>
             </a:endParaRPr>
           </a:p>
+          <a:p>
+            <a:r>
+              <a:rPr lang="en-US" sz="4800" dirty="0">
+                <a:latin typeface="Helvetica Neue" charset="0"/>
+                <a:ea typeface="Helvetica Neue" charset="0"/>
+                <a:cs typeface="Helvetica Neue" charset="0"/>
+              </a:rPr>
+              <a:t>→</a:t>
+            </a:r>
+            <a:r>
+              <a:rPr lang="en-US" sz="4800" dirty="0" smtClean="0">
+                <a:latin typeface="Helvetica Neue" charset="0"/>
+                <a:ea typeface="Helvetica Neue" charset="0"/>
+                <a:cs typeface="Helvetica Neue" charset="0"/>
+              </a:rPr>
+              <a:t> we build an open repository around a common data model for </a:t>
+            </a:r>
+            <a:r>
+              <a:rPr lang="en-US" sz="4800" b="1" dirty="0" smtClean="0">
+                <a:latin typeface="Helvetica Neue" charset="0"/>
+                <a:ea typeface="Helvetica Neue" charset="0"/>
+                <a:cs typeface="Helvetica Neue" charset="0"/>
+              </a:rPr>
+              <a:t>comparable</a:t>
+            </a:r>
+            <a:r>
+              <a:rPr lang="en-US" sz="4800" dirty="0" smtClean="0">
+                <a:latin typeface="Helvetica Neue" charset="0"/>
+                <a:ea typeface="Helvetica Neue" charset="0"/>
+                <a:cs typeface="Helvetica Neue" charset="0"/>
+              </a:rPr>
+              <a:t> and </a:t>
+            </a:r>
+            <a:r>
+              <a:rPr lang="en-US" sz="4800" b="1" dirty="0" smtClean="0">
+                <a:latin typeface="Helvetica Neue" charset="0"/>
+                <a:ea typeface="Helvetica Neue" charset="0"/>
+                <a:cs typeface="Helvetica Neue" charset="0"/>
+              </a:rPr>
+              <a:t>repeatable</a:t>
+            </a:r>
+            <a:r>
+              <a:rPr lang="en-US" sz="4800" dirty="0" smtClean="0">
+                <a:latin typeface="Helvetica Neue" charset="0"/>
+                <a:ea typeface="Helvetica Neue" charset="0"/>
+                <a:cs typeface="Helvetica Neue" charset="0"/>
+              </a:rPr>
+              <a:t> measurement of these phenomena.</a:t>
+            </a:r>
+          </a:p>
         </p:txBody>
       </p:sp>
       <p:sp>
         <p:nvSpPr>
-          <p:cNvPr id="26" name="TextBox 25"/>
+          <p:cNvPr id="12" name="TextBox 11"/>
           <p:cNvSpPr txBox="1"/>
           <p:nvPr/>
         </p:nvSpPr>
         <p:spPr>
           <a:xfrm>
-            <a:off x="17834864" y="17687016"/>
-            <a:ext cx="3423728" cy="923330"/>
+            <a:off x="666000" y="17407800"/>
+            <a:ext cx="14095029" cy="2632259"/>
           </a:xfrm>
           <a:prstGeom prst="rect">
             <a:avLst/>
@@ -1976,24 +2372,91 @@
           </a:bodyPr>
           <a:lstStyle/>
           <a:p>
-            <a:pPr algn="r"/>
-            <a:r>
-              <a:rPr lang="en-US" sz="1800" b="1" dirty="0" smtClean="0">
-                <a:latin typeface="Helvetica Neue" charset="0"/>
-                <a:ea typeface="Helvetica Neue" charset="0"/>
-                <a:cs typeface="Helvetica Neue" charset="0"/>
-              </a:rPr>
-              <a:t>Analysis</a:t>
-            </a:r>
-            <a:r>
-              <a:rPr lang="en-US" sz="1800" dirty="0" smtClean="0">
-                <a:latin typeface="Helvetica Neue" charset="0"/>
-                <a:ea typeface="Helvetica Neue" charset="0"/>
-                <a:cs typeface="Helvetica Neue" charset="0"/>
-              </a:rPr>
-              <a:t> metadata includes commit-specific reference to  platform-independent sources.</a:t>
-            </a:r>
-            <a:endParaRPr lang="en-US" sz="1800" dirty="0">
+            <a:pPr algn="ctr"/>
+            <a:r>
+              <a:rPr lang="en-US" sz="4800" b="1" dirty="0" smtClean="0">
+                <a:latin typeface="Helvetica Neue" charset="0"/>
+                <a:ea typeface="Helvetica Neue" charset="0"/>
+                <a:cs typeface="Helvetica Neue" charset="0"/>
+              </a:rPr>
+              <a:t>Observation</a:t>
+            </a:r>
+            <a:r>
+              <a:rPr lang="en-US" sz="4800" dirty="0" smtClean="0">
+                <a:latin typeface="Helvetica Neue" charset="0"/>
+                <a:ea typeface="Helvetica Neue" charset="0"/>
+                <a:cs typeface="Helvetica Neue" charset="0"/>
+              </a:rPr>
+              <a:t>: an assertion that at a given </a:t>
+            </a:r>
+            <a:r>
+              <a:rPr lang="en-US" sz="4800" b="1" i="1" dirty="0" smtClean="0">
+                <a:latin typeface="Helvetica Neue" charset="0"/>
+                <a:ea typeface="Helvetica Neue" charset="0"/>
+                <a:cs typeface="Helvetica Neue" charset="0"/>
+              </a:rPr>
+              <a:t>time</a:t>
+            </a:r>
+            <a:r>
+              <a:rPr lang="en-US" sz="4800" dirty="0" smtClean="0">
+                <a:latin typeface="Helvetica Neue" charset="0"/>
+                <a:ea typeface="Helvetica Neue" charset="0"/>
+                <a:cs typeface="Helvetica Neue" charset="0"/>
+              </a:rPr>
+              <a:t> along a given </a:t>
+            </a:r>
+            <a:r>
+              <a:rPr lang="en-US" sz="4800" b="1" i="1" dirty="0" smtClean="0">
+                <a:latin typeface="Helvetica Neue" charset="0"/>
+                <a:ea typeface="Helvetica Neue" charset="0"/>
+                <a:cs typeface="Helvetica Neue" charset="0"/>
+              </a:rPr>
+              <a:t>path</a:t>
+            </a:r>
+            <a:r>
+              <a:rPr lang="en-US" sz="4800" dirty="0" smtClean="0">
+                <a:latin typeface="Helvetica Neue" charset="0"/>
+                <a:ea typeface="Helvetica Neue" charset="0"/>
+                <a:cs typeface="Helvetica Neue" charset="0"/>
+              </a:rPr>
+              <a:t>, a given </a:t>
+            </a:r>
+            <a:r>
+              <a:rPr lang="en-US" sz="4800" b="1" i="1" dirty="0" smtClean="0">
+                <a:latin typeface="Helvetica Neue" charset="0"/>
+                <a:ea typeface="Helvetica Neue" charset="0"/>
+                <a:cs typeface="Helvetica Neue" charset="0"/>
+              </a:rPr>
+              <a:t>condition</a:t>
+            </a:r>
+            <a:r>
+              <a:rPr lang="en-US" sz="4800" dirty="0">
+                <a:latin typeface="Helvetica Neue" charset="0"/>
+                <a:ea typeface="Helvetica Neue" charset="0"/>
+                <a:cs typeface="Helvetica Neue" charset="0"/>
+              </a:rPr>
+              <a:t> </a:t>
+            </a:r>
+            <a:r>
+              <a:rPr lang="en-US" sz="4800" dirty="0" smtClean="0">
+                <a:latin typeface="Helvetica Neue" charset="0"/>
+                <a:ea typeface="Helvetica Neue" charset="0"/>
+                <a:cs typeface="Helvetica Neue" charset="0"/>
+              </a:rPr>
+              <a:t>held:</a:t>
+            </a:r>
+          </a:p>
+          <a:p>
+            <a:pPr algn="ctr"/>
+            <a:r>
+              <a:rPr lang="en-US" b="1" i="1" dirty="0" smtClean="0">
+                <a:latin typeface="Helvetica Neue" charset="0"/>
+                <a:ea typeface="Helvetica Neue" charset="0"/>
+                <a:cs typeface="Helvetica Neue" charset="0"/>
+              </a:rPr>
+              <a:t>O = {t, p, c}</a:t>
+            </a:r>
+            <a:endParaRPr lang="en-US" b="1" i="1" dirty="0">
               <a:latin typeface="Helvetica Neue" charset="0"/>
               <a:ea typeface="Helvetica Neue" charset="0"/>
               <a:cs typeface="Helvetica Neue" charset="0"/>
@@ -2003,14 +2466,14 @@
       </p:sp>
       <p:sp>
         <p:nvSpPr>
-          <p:cNvPr id="27" name="TextBox 26"/>
+          <p:cNvPr id="31" name="TextBox 30"/>
           <p:cNvSpPr txBox="1"/>
           <p:nvPr/>
         </p:nvSpPr>
         <p:spPr>
           <a:xfrm>
-            <a:off x="18366687" y="19163535"/>
-            <a:ext cx="3423728" cy="923330"/>
+            <a:off x="921766" y="26391993"/>
+            <a:ext cx="13507501" cy="3046988"/>
           </a:xfrm>
           <a:prstGeom prst="rect">
             <a:avLst/>
@@ -2023,52 +2486,100 @@
           </a:bodyPr>
           <a:lstStyle/>
           <a:p>
-            <a:pPr algn="r"/>
-            <a:r>
-              <a:rPr lang="en-US" sz="1800" dirty="0" smtClean="0">
-                <a:latin typeface="Helvetica Neue" charset="0"/>
-                <a:ea typeface="Helvetica Neue" charset="0"/>
-                <a:cs typeface="Helvetica Neue" charset="0"/>
-              </a:rPr>
-              <a:t>Observations are grouped into </a:t>
-            </a:r>
-            <a:r>
-              <a:rPr lang="en-US" sz="1800" b="1" dirty="0" smtClean="0">
-                <a:latin typeface="Helvetica Neue" charset="0"/>
-                <a:ea typeface="Helvetica Neue" charset="0"/>
-                <a:cs typeface="Helvetica Neue" charset="0"/>
-              </a:rPr>
-              <a:t>observation sets</a:t>
-            </a:r>
-            <a:r>
-              <a:rPr lang="en-US" sz="1800" dirty="0" smtClean="0">
-                <a:latin typeface="Helvetica Neue" charset="0"/>
-                <a:ea typeface="Helvetica Neue" charset="0"/>
-                <a:cs typeface="Helvetica Neue" charset="0"/>
-              </a:rPr>
-              <a:t>, which </a:t>
-            </a:r>
-            <a:r>
-              <a:rPr lang="en-US" sz="1800" b="1" dirty="0" smtClean="0">
-                <a:latin typeface="Helvetica Neue" charset="0"/>
-                <a:ea typeface="Helvetica Neue" charset="0"/>
-                <a:cs typeface="Helvetica Neue" charset="0"/>
-              </a:rPr>
-              <a:t>share common provenance.</a:t>
+            <a:pPr algn="ctr"/>
+            <a:r>
+              <a:rPr lang="en-US" sz="4800" b="1" dirty="0" smtClean="0">
+                <a:latin typeface="Helvetica Neue" charset="0"/>
+                <a:ea typeface="Helvetica Neue" charset="0"/>
+                <a:cs typeface="Helvetica Neue" charset="0"/>
+              </a:rPr>
+              <a:t>Conditions</a:t>
+            </a:r>
+            <a:r>
+              <a:rPr lang="en-US" sz="4800" dirty="0" smtClean="0">
+                <a:latin typeface="Helvetica Neue" charset="0"/>
+                <a:ea typeface="Helvetica Neue" charset="0"/>
+                <a:cs typeface="Helvetica Neue" charset="0"/>
+              </a:rPr>
+              <a:t> are defined in a structured namespace oriented to assign </a:t>
+            </a:r>
+            <a:r>
+              <a:rPr lang="en-US" sz="4800" i="1" dirty="0" smtClean="0">
+                <a:latin typeface="Helvetica Neue" charset="0"/>
+                <a:ea typeface="Helvetica Neue" charset="0"/>
+                <a:cs typeface="Helvetica Neue" charset="0"/>
+              </a:rPr>
+              <a:t>states</a:t>
+            </a:r>
+            <a:r>
+              <a:rPr lang="en-US" sz="4800" dirty="0" smtClean="0">
+                <a:latin typeface="Helvetica Neue" charset="0"/>
+                <a:ea typeface="Helvetica Neue" charset="0"/>
+                <a:cs typeface="Helvetica Neue" charset="0"/>
+              </a:rPr>
+              <a:t> to </a:t>
+            </a:r>
+            <a:r>
+              <a:rPr lang="en-US" sz="4800" i="1" dirty="0" smtClean="0">
+                <a:latin typeface="Helvetica Neue" charset="0"/>
+                <a:ea typeface="Helvetica Neue" charset="0"/>
+                <a:cs typeface="Helvetica Neue" charset="0"/>
+              </a:rPr>
+              <a:t>aspects</a:t>
+            </a:r>
+            <a:r>
+              <a:rPr lang="en-US" sz="4800" dirty="0" smtClean="0">
+                <a:latin typeface="Helvetica Neue" charset="0"/>
+                <a:ea typeface="Helvetica Neue" charset="0"/>
+                <a:cs typeface="Helvetica Neue" charset="0"/>
+              </a:rPr>
+              <a:t> of attempts to use a given protocol </a:t>
+            </a:r>
+            <a:r>
+              <a:rPr lang="en-US" sz="4800" i="1" dirty="0" smtClean="0">
+                <a:latin typeface="Helvetica Neue" charset="0"/>
+                <a:ea typeface="Helvetica Neue" charset="0"/>
+                <a:cs typeface="Helvetica Neue" charset="0"/>
+              </a:rPr>
+              <a:t>feature</a:t>
+            </a:r>
+            <a:r>
+              <a:rPr lang="en-US" sz="4800" dirty="0" smtClean="0">
+                <a:latin typeface="Helvetica Neue" charset="0"/>
+                <a:ea typeface="Helvetica Neue" charset="0"/>
+                <a:cs typeface="Helvetica Neue" charset="0"/>
+              </a:rPr>
+              <a:t>, fostering </a:t>
+            </a:r>
+            <a:r>
+              <a:rPr lang="en-US" sz="4800" b="1" dirty="0" smtClean="0">
+                <a:latin typeface="Helvetica Neue" charset="0"/>
+                <a:ea typeface="Helvetica Neue" charset="0"/>
+                <a:cs typeface="Helvetica Neue" charset="0"/>
+              </a:rPr>
+              <a:t>comparability</a:t>
+            </a:r>
+            <a:r>
+              <a:rPr lang="en-US" sz="4800" dirty="0" smtClean="0">
+                <a:latin typeface="Helvetica Neue" charset="0"/>
+                <a:ea typeface="Helvetica Neue" charset="0"/>
+                <a:cs typeface="Helvetica Neue" charset="0"/>
+              </a:rPr>
+              <a:t> of results.</a:t>
             </a:r>
           </a:p>
         </p:txBody>
       </p:sp>
       <p:sp>
         <p:nvSpPr>
-          <p:cNvPr id="28" name="TextBox 27"/>
+          <p:cNvPr id="32" name="TextBox 31"/>
           <p:cNvSpPr txBox="1"/>
           <p:nvPr/>
         </p:nvSpPr>
         <p:spPr>
           <a:xfrm>
-            <a:off x="18146925" y="20543761"/>
-            <a:ext cx="3643490" cy="1200329"/>
+            <a:off x="16688776" y="26391993"/>
+            <a:ext cx="11795745" cy="3046988"/>
           </a:xfrm>
           <a:prstGeom prst="rect">
             <a:avLst/>
@@ -2081,44 +2592,52 @@
           </a:bodyPr>
           <a:lstStyle/>
           <a:p>
-            <a:pPr algn="r"/>
-            <a:r>
-              <a:rPr lang="en-US" sz="1800" b="1" dirty="0" smtClean="0">
-                <a:latin typeface="Helvetica Neue" charset="0"/>
-                <a:ea typeface="Helvetica Neue" charset="0"/>
-                <a:cs typeface="Helvetica Neue" charset="0"/>
-              </a:rPr>
-              <a:t>Observation set </a:t>
-            </a:r>
-            <a:r>
-              <a:rPr lang="en-US" sz="1800" smtClean="0">
-                <a:latin typeface="Helvetica Neue" charset="0"/>
-                <a:ea typeface="Helvetica Neue" charset="0"/>
-                <a:cs typeface="Helvetica Neue" charset="0"/>
-              </a:rPr>
-              <a:t>metadata links </a:t>
-            </a:r>
-            <a:r>
-              <a:rPr lang="en-US" sz="1800" dirty="0" smtClean="0">
-                <a:latin typeface="Helvetica Neue" charset="0"/>
-                <a:ea typeface="Helvetica Neue" charset="0"/>
-                <a:cs typeface="Helvetica Neue" charset="0"/>
-              </a:rPr>
-              <a:t>to observations and raw data files from which they are derived, plus analysis that produced them.</a:t>
+            <a:pPr algn="ctr"/>
+            <a:r>
+              <a:rPr lang="en-US" sz="4800" dirty="0" smtClean="0">
+                <a:latin typeface="Helvetica Neue" charset="0"/>
+                <a:ea typeface="Helvetica Neue" charset="0"/>
+                <a:cs typeface="Helvetica Neue" charset="0"/>
+              </a:rPr>
+              <a:t>Every object stored in the observatory, including queries, keeps its </a:t>
+            </a:r>
+            <a:r>
+              <a:rPr lang="en-US" sz="4800" i="1" dirty="0" smtClean="0">
+                <a:latin typeface="Helvetica Neue" charset="0"/>
+                <a:ea typeface="Helvetica Neue" charset="0"/>
+                <a:cs typeface="Helvetica Neue" charset="0"/>
+              </a:rPr>
+              <a:t>provenance</a:t>
+            </a:r>
+            <a:r>
+              <a:rPr lang="en-US" sz="4800" dirty="0" smtClean="0">
+                <a:latin typeface="Helvetica Neue" charset="0"/>
+                <a:ea typeface="Helvetica Neue" charset="0"/>
+                <a:cs typeface="Helvetica Neue" charset="0"/>
+              </a:rPr>
+              <a:t>, including arbitrary metadata, fostering measurement </a:t>
+            </a:r>
+            <a:r>
+              <a:rPr lang="en-US" sz="4800" b="1" dirty="0" smtClean="0">
+                <a:latin typeface="Helvetica Neue" charset="0"/>
+                <a:ea typeface="Helvetica Neue" charset="0"/>
+                <a:cs typeface="Helvetica Neue" charset="0"/>
+              </a:rPr>
+              <a:t>repeatability.</a:t>
             </a:r>
           </a:p>
         </p:txBody>
       </p:sp>
       <p:sp>
         <p:nvSpPr>
-          <p:cNvPr id="29" name="TextBox 28"/>
+          <p:cNvPr id="33" name="TextBox 32"/>
           <p:cNvSpPr txBox="1"/>
           <p:nvPr/>
         </p:nvSpPr>
         <p:spPr>
           <a:xfrm>
-            <a:off x="19097067" y="22470137"/>
-            <a:ext cx="3423728" cy="1200329"/>
+            <a:off x="921766" y="20644336"/>
+            <a:ext cx="13507501" cy="4708981"/>
           </a:xfrm>
           <a:prstGeom prst="rect">
             <a:avLst/>
@@ -2131,32 +2650,237 @@
           </a:bodyPr>
           <a:lstStyle/>
           <a:p>
-            <a:pPr algn="r"/>
-            <a:r>
-              <a:rPr lang="en-US" sz="1800" b="1" dirty="0" smtClean="0">
-                <a:latin typeface="Helvetica Neue" charset="0"/>
-                <a:ea typeface="Helvetica Neue" charset="0"/>
-                <a:cs typeface="Helvetica Neue" charset="0"/>
-              </a:rPr>
-              <a:t>Queries </a:t>
-            </a:r>
-            <a:r>
-              <a:rPr lang="en-US" sz="1800" dirty="0" smtClean="0">
-                <a:latin typeface="Helvetica Neue" charset="0"/>
-                <a:ea typeface="Helvetica Neue" charset="0"/>
-                <a:cs typeface="Helvetica Neue" charset="0"/>
-              </a:rPr>
-              <a:t>can be made permanently cacheable, and metadata links </a:t>
-            </a:r>
-            <a:r>
-              <a:rPr lang="en-US" sz="1800" smtClean="0">
-                <a:latin typeface="Helvetica Neue" charset="0"/>
-                <a:ea typeface="Helvetica Neue" charset="0"/>
-                <a:cs typeface="Helvetica Neue" charset="0"/>
-              </a:rPr>
-              <a:t>to observation sets involved in query results. </a:t>
-            </a:r>
-            <a:endParaRPr lang="en-US" sz="1800" b="1" dirty="0" smtClean="0">
+            <a:pPr algn="ctr"/>
+            <a:r>
+              <a:rPr lang="en-US" sz="4800" b="1" dirty="0" smtClean="0">
+                <a:latin typeface="Helvetica Neue" charset="0"/>
+                <a:ea typeface="Helvetica Neue" charset="0"/>
+                <a:cs typeface="Helvetica Neue" charset="0"/>
+              </a:rPr>
+              <a:t>Paths </a:t>
+            </a:r>
+            <a:r>
+              <a:rPr lang="en-US" sz="4800" dirty="0" smtClean="0">
+                <a:latin typeface="Helvetica Neue" charset="0"/>
+                <a:ea typeface="Helvetica Neue" charset="0"/>
+                <a:cs typeface="Helvetica Neue" charset="0"/>
+              </a:rPr>
+              <a:t>are defined as sequences of elements (addresses, prefixes, BGP ASN, pseudonyms), allowing multi-resolution storage and correlation with topographic information (e.g. </a:t>
+            </a:r>
+            <a:r>
+              <a:rPr lang="en-US" sz="4800" dirty="0" err="1" smtClean="0">
+                <a:latin typeface="Helvetica Neue" charset="0"/>
+                <a:ea typeface="Helvetica Neue" charset="0"/>
+                <a:cs typeface="Helvetica Neue" charset="0"/>
+              </a:rPr>
+              <a:t>Tracebox</a:t>
+            </a:r>
+            <a:r>
+              <a:rPr lang="en-US" sz="4800" dirty="0" smtClean="0">
+                <a:latin typeface="Helvetica Neue" charset="0"/>
+                <a:ea typeface="Helvetica Neue" charset="0"/>
+                <a:cs typeface="Helvetica Neue" charset="0"/>
+              </a:rPr>
+              <a:t>)</a:t>
+            </a:r>
+          </a:p>
+          <a:p>
+            <a:pPr algn="ctr"/>
+            <a:endParaRPr lang="en-US" sz="4800" dirty="0">
+              <a:latin typeface="Helvetica Neue" charset="0"/>
+              <a:ea typeface="Helvetica Neue" charset="0"/>
+              <a:cs typeface="Helvetica Neue" charset="0"/>
+            </a:endParaRPr>
+          </a:p>
+          <a:p>
+            <a:pPr algn="ctr"/>
+            <a:r>
+              <a:rPr lang="en-US" sz="6000" dirty="0" smtClean="0">
+                <a:latin typeface="Helvetica Neue" charset="0"/>
+                <a:ea typeface="Helvetica Neue" charset="0"/>
+                <a:cs typeface="Helvetica Neue" charset="0"/>
+              </a:rPr>
+              <a:t>[IP</a:t>
+            </a:r>
+            <a:r>
+              <a:rPr lang="en-US" sz="6000" baseline="-25000" dirty="0" smtClean="0">
+                <a:latin typeface="Helvetica Neue" charset="0"/>
+                <a:ea typeface="Helvetica Neue" charset="0"/>
+                <a:cs typeface="Helvetica Neue" charset="0"/>
+              </a:rPr>
+              <a:t>0</a:t>
+            </a:r>
+            <a:r>
+              <a:rPr lang="en-US" sz="6000" dirty="0" smtClean="0">
+                <a:latin typeface="Helvetica Neue" charset="0"/>
+                <a:ea typeface="Helvetica Neue" charset="0"/>
+                <a:cs typeface="Helvetica Neue" charset="0"/>
+              </a:rPr>
+              <a:t> * IP</a:t>
+            </a:r>
+            <a:r>
+              <a:rPr lang="en-US" sz="6000" baseline="-25000" dirty="0" smtClean="0">
+                <a:latin typeface="Helvetica Neue" charset="0"/>
+                <a:ea typeface="Helvetica Neue" charset="0"/>
+                <a:cs typeface="Helvetica Neue" charset="0"/>
+              </a:rPr>
+              <a:t>8</a:t>
+            </a:r>
+            <a:r>
+              <a:rPr lang="en-US" sz="6000" dirty="0" smtClean="0">
+                <a:latin typeface="Helvetica Neue" charset="0"/>
+                <a:ea typeface="Helvetica Neue" charset="0"/>
+                <a:cs typeface="Helvetica Neue" charset="0"/>
+              </a:rPr>
+              <a:t>] → [IP</a:t>
+            </a:r>
+            <a:r>
+              <a:rPr lang="en-US" sz="6000" baseline="-25000" dirty="0" smtClean="0">
+                <a:latin typeface="Helvetica Neue" charset="0"/>
+                <a:ea typeface="Helvetica Neue" charset="0"/>
+                <a:cs typeface="Helvetica Neue" charset="0"/>
+              </a:rPr>
+              <a:t>0</a:t>
+            </a:r>
+            <a:r>
+              <a:rPr lang="en-US" sz="6000" dirty="0" smtClean="0">
+                <a:latin typeface="Helvetica Neue" charset="0"/>
+                <a:ea typeface="Helvetica Neue" charset="0"/>
+                <a:cs typeface="Helvetica Neue" charset="0"/>
+              </a:rPr>
+              <a:t> IP</a:t>
+            </a:r>
+            <a:r>
+              <a:rPr lang="en-US" sz="6000" baseline="-25000" dirty="0" smtClean="0">
+                <a:latin typeface="Helvetica Neue" charset="0"/>
+                <a:ea typeface="Helvetica Neue" charset="0"/>
+                <a:cs typeface="Helvetica Neue" charset="0"/>
+              </a:rPr>
+              <a:t>1</a:t>
+            </a:r>
+            <a:r>
+              <a:rPr lang="en-US" sz="6000" dirty="0" smtClean="0">
+                <a:latin typeface="Helvetica Neue" charset="0"/>
+                <a:ea typeface="Helvetica Neue" charset="0"/>
+                <a:cs typeface="Helvetica Neue" charset="0"/>
+              </a:rPr>
+              <a:t> AS</a:t>
+            </a:r>
+            <a:r>
+              <a:rPr lang="en-US" sz="6000" baseline="-25000" dirty="0" smtClean="0">
+                <a:latin typeface="Helvetica Neue" charset="0"/>
+                <a:ea typeface="Helvetica Neue" charset="0"/>
+                <a:cs typeface="Helvetica Neue" charset="0"/>
+              </a:rPr>
+              <a:t>3</a:t>
+            </a:r>
+            <a:r>
+              <a:rPr lang="en-US" sz="6000" dirty="0" smtClean="0">
+                <a:latin typeface="Helvetica Neue" charset="0"/>
+                <a:ea typeface="Helvetica Neue" charset="0"/>
+                <a:cs typeface="Helvetica Neue" charset="0"/>
+              </a:rPr>
+              <a:t> * AS</a:t>
+            </a:r>
+            <a:r>
+              <a:rPr lang="en-US" sz="6000" baseline="-25000" dirty="0" smtClean="0">
+                <a:latin typeface="Helvetica Neue" charset="0"/>
+                <a:ea typeface="Helvetica Neue" charset="0"/>
+                <a:cs typeface="Helvetica Neue" charset="0"/>
+              </a:rPr>
+              <a:t>5</a:t>
+            </a:r>
+            <a:r>
+              <a:rPr lang="en-US" sz="6000" dirty="0" smtClean="0">
+                <a:latin typeface="Helvetica Neue" charset="0"/>
+                <a:ea typeface="Helvetica Neue" charset="0"/>
+                <a:cs typeface="Helvetica Neue" charset="0"/>
+              </a:rPr>
+              <a:t> IP</a:t>
+            </a:r>
+            <a:r>
+              <a:rPr lang="en-US" sz="6000" baseline="-25000" dirty="0" smtClean="0">
+                <a:latin typeface="Helvetica Neue" charset="0"/>
+                <a:ea typeface="Helvetica Neue" charset="0"/>
+                <a:cs typeface="Helvetica Neue" charset="0"/>
+              </a:rPr>
+              <a:t>6</a:t>
+            </a:r>
+            <a:r>
+              <a:rPr lang="en-US" sz="6000" dirty="0" smtClean="0">
+                <a:latin typeface="Helvetica Neue" charset="0"/>
+                <a:ea typeface="Helvetica Neue" charset="0"/>
+                <a:cs typeface="Helvetica Neue" charset="0"/>
+              </a:rPr>
+              <a:t> * IP</a:t>
+            </a:r>
+            <a:r>
+              <a:rPr lang="en-US" sz="6000" baseline="-25000" dirty="0" smtClean="0">
+                <a:latin typeface="Helvetica Neue" charset="0"/>
+                <a:ea typeface="Helvetica Neue" charset="0"/>
+                <a:cs typeface="Helvetica Neue" charset="0"/>
+              </a:rPr>
+              <a:t>8</a:t>
+            </a:r>
+            <a:r>
+              <a:rPr lang="en-US" sz="6000" dirty="0" smtClean="0">
+                <a:latin typeface="Helvetica Neue" charset="0"/>
+                <a:ea typeface="Helvetica Neue" charset="0"/>
+                <a:cs typeface="Helvetica Neue" charset="0"/>
+              </a:rPr>
+              <a:t>]</a:t>
+            </a:r>
+          </a:p>
+        </p:txBody>
+      </p:sp>
+      <p:sp>
+        <p:nvSpPr>
+          <p:cNvPr id="34" name="TextBox 33"/>
+          <p:cNvSpPr txBox="1"/>
+          <p:nvPr/>
+        </p:nvSpPr>
+        <p:spPr>
+          <a:xfrm>
+            <a:off x="16474609" y="6744115"/>
+            <a:ext cx="11795745" cy="3046988"/>
+          </a:xfrm>
+          <a:prstGeom prst="rect">
+            <a:avLst/>
+          </a:prstGeom>
+          <a:noFill/>
+        </p:spPr>
+        <p:txBody>
+          <a:bodyPr wrap="square" rtlCol="0">
+            <a:spAutoFit/>
+          </a:bodyPr>
+          <a:lstStyle/>
+          <a:p>
+            <a:pPr algn="ctr"/>
+            <a:r>
+              <a:rPr lang="en-US" sz="4800" dirty="0" smtClean="0">
+                <a:latin typeface="Helvetica Neue" charset="0"/>
+                <a:ea typeface="Helvetica Neue" charset="0"/>
+                <a:cs typeface="Helvetica Neue" charset="0"/>
+              </a:rPr>
+              <a:t>The PTO is implemented as a RESTful API, storing raw data files organized into campaigns, normalizing these into a </a:t>
+            </a:r>
+            <a:r>
+              <a:rPr lang="en-US" sz="4800" dirty="0" err="1" smtClean="0">
+                <a:latin typeface="Helvetica Neue" charset="0"/>
+                <a:ea typeface="Helvetica Neue" charset="0"/>
+                <a:cs typeface="Helvetica Neue" charset="0"/>
+              </a:rPr>
+              <a:t>queryable</a:t>
+            </a:r>
+            <a:r>
+              <a:rPr lang="en-US" sz="4800" dirty="0" smtClean="0">
+                <a:latin typeface="Helvetica Neue" charset="0"/>
+                <a:ea typeface="Helvetica Neue" charset="0"/>
+                <a:cs typeface="Helvetica Neue" charset="0"/>
+              </a:rPr>
+              <a:t> observation database.</a:t>
+            </a:r>
+            <a:endParaRPr lang="en-US" sz="4800" b="1" dirty="0" smtClean="0">
               <a:latin typeface="Helvetica Neue" charset="0"/>
               <a:ea typeface="Helvetica Neue" charset="0"/>
               <a:cs typeface="Helvetica Neue" charset="0"/>
@@ -2164,6 +2888,131 @@
           </a:p>
         </p:txBody>
       </p:sp>
+      <p:sp>
+        <p:nvSpPr>
+          <p:cNvPr id="37" name="Abgerundetes Rechteck 35"/>
+          <p:cNvSpPr/>
+          <p:nvPr/>
+        </p:nvSpPr>
+        <p:spPr>
+          <a:xfrm>
+            <a:off x="666000" y="17231798"/>
+            <a:ext cx="14356868" cy="20781116"/>
+          </a:xfrm>
+          <a:prstGeom prst="roundRect">
+            <a:avLst>
+              <a:gd name="adj" fmla="val 8789"/>
+            </a:avLst>
+          </a:prstGeom>
+          <a:noFill/>
+          <a:ln w="127000">
+            <a:solidFill>
+              <a:srgbClr val="FF8080"/>
+            </a:solidFill>
+          </a:ln>
+        </p:spPr>
+        <p:style>
+          <a:lnRef idx="2">
+            <a:schemeClr val="accent1">
+              <a:shade val="50000"/>
+            </a:schemeClr>
+          </a:lnRef>
+          <a:fillRef idx="1">
+            <a:schemeClr val="accent1"/>
+          </a:fillRef>
+          <a:effectRef idx="0">
+            <a:schemeClr val="accent1"/>
+          </a:effectRef>
+          <a:fontRef idx="minor">
+            <a:schemeClr val="lt1"/>
+          </a:fontRef>
+        </p:style>
+        <p:txBody>
+          <a:bodyPr rtlCol="0" anchor="ctr"/>
+          <a:lstStyle/>
+          <a:p>
+            <a:pPr algn="ctr"/>
+            <a:endParaRPr lang="en-US"/>
+          </a:p>
+        </p:txBody>
+      </p:sp>
+      <p:sp>
+        <p:nvSpPr>
+          <p:cNvPr id="38" name="Abgerundetes Rechteck 35"/>
+          <p:cNvSpPr/>
+          <p:nvPr/>
+        </p:nvSpPr>
+        <p:spPr>
+          <a:xfrm>
+            <a:off x="15408215" y="6465644"/>
+            <a:ext cx="14356868" cy="31547269"/>
+          </a:xfrm>
+          <a:prstGeom prst="roundRect">
+            <a:avLst>
+              <a:gd name="adj" fmla="val 8789"/>
+            </a:avLst>
+          </a:prstGeom>
+          <a:noFill/>
+          <a:ln w="127000">
+            <a:solidFill>
+              <a:srgbClr val="FF8080"/>
+            </a:solidFill>
+          </a:ln>
+        </p:spPr>
+        <p:style>
+          <a:lnRef idx="2">
+            <a:schemeClr val="accent1">
+              <a:shade val="50000"/>
+            </a:schemeClr>
+          </a:lnRef>
+          <a:fillRef idx="1">
+            <a:schemeClr val="accent1"/>
+          </a:fillRef>
+          <a:effectRef idx="0">
+            <a:schemeClr val="accent1"/>
+          </a:effectRef>
+          <a:fontRef idx="minor">
+            <a:schemeClr val="lt1"/>
+          </a:fontRef>
+        </p:style>
+        <p:txBody>
+          <a:bodyPr rtlCol="0" anchor="ctr"/>
+          <a:lstStyle/>
+          <a:p>
+            <a:pPr algn="ctr"/>
+            <a:endParaRPr lang="en-US"/>
+          </a:p>
+        </p:txBody>
+      </p:sp>
+      <p:pic>
+        <p:nvPicPr>
+          <p:cNvPr id="22" name="image5.png"/>
+          <p:cNvPicPr>
+            <a:picLocks noChangeAspect="1"/>
+          </p:cNvPicPr>
+          <p:nvPr/>
+        </p:nvPicPr>
+        <p:blipFill>
+          <a:blip r:embed="rId7">
+            <a:extLst/>
+          </a:blip>
+          <a:stretch>
+            <a:fillRect/>
+          </a:stretch>
+        </p:blipFill>
+        <p:spPr>
+          <a:xfrm>
+            <a:off x="14045553" y="7016743"/>
+            <a:ext cx="2190750" cy="2190750"/>
+          </a:xfrm>
+          <a:prstGeom prst="rect">
+            <a:avLst/>
+          </a:prstGeom>
+          <a:ln w="12700">
+            <a:miter lim="400000"/>
+          </a:ln>
+        </p:spPr>
+      </p:pic>
     </p:spTree>
     <p:extLst>
       <p:ext uri="{BB962C8B-B14F-4D97-AF65-F5344CB8AC3E}">

--- a/imc17-pto-poster/imc17-pto-poster.pptx
+++ b/imc17-pto-poster/imc17-pto-poster.pptx
@@ -1398,15 +1398,7 @@
                 <a:ea typeface="Helvetica Neue" charset="0"/>
                 <a:cs typeface="Helvetica Neue" charset="0"/>
               </a:rPr>
-              <a:t>An Observatory for Internet Path </a:t>
-            </a:r>
-            <a:r>
-              <a:rPr lang="en-US" sz="9600" b="1" dirty="0" smtClean="0">
-                <a:latin typeface="Helvetica Neue" charset="0"/>
-                <a:ea typeface="Helvetica Neue" charset="0"/>
-                <a:cs typeface="Helvetica Neue" charset="0"/>
-              </a:rPr>
-              <a:t>Transparency</a:t>
+              <a:t>An Observatory for Internet Path Transparency</a:t>
             </a:r>
           </a:p>
           <a:p>
@@ -1443,120 +1435,6 @@
               <a:t> and Brian Trammell, ETH Zürich</a:t>
             </a:r>
             <a:endParaRPr lang="en-US" sz="4800" b="1" dirty="0">
-              <a:latin typeface="Helvetica Neue" charset="0"/>
-              <a:ea typeface="Helvetica Neue" charset="0"/>
-              <a:cs typeface="Helvetica Neue" charset="0"/>
-            </a:endParaRPr>
-          </a:p>
-        </p:txBody>
-      </p:sp>
-      <p:sp>
-        <p:nvSpPr>
-          <p:cNvPr id="18" name="Abgerundetes Rechteck 35"/>
-          <p:cNvSpPr/>
-          <p:nvPr/>
-        </p:nvSpPr>
-        <p:spPr>
-          <a:xfrm>
-            <a:off x="-27901913" y="18139508"/>
-            <a:ext cx="16309378" cy="13502640"/>
-          </a:xfrm>
-          <a:prstGeom prst="roundRect">
-            <a:avLst/>
-          </a:prstGeom>
-          <a:noFill/>
-          <a:ln w="127000">
-            <a:solidFill>
-              <a:srgbClr val="FF8080"/>
-            </a:solidFill>
-          </a:ln>
-        </p:spPr>
-        <p:style>
-          <a:lnRef idx="2">
-            <a:schemeClr val="accent1">
-              <a:shade val="50000"/>
-            </a:schemeClr>
-          </a:lnRef>
-          <a:fillRef idx="1">
-            <a:schemeClr val="accent1"/>
-          </a:fillRef>
-          <a:effectRef idx="0">
-            <a:schemeClr val="accent1"/>
-          </a:effectRef>
-          <a:fontRef idx="minor">
-            <a:schemeClr val="lt1"/>
-          </a:fontRef>
-        </p:style>
-        <p:txBody>
-          <a:bodyPr rtlCol="0" anchor="ctr"/>
-          <a:lstStyle/>
-          <a:p>
-            <a:pPr algn="ctr"/>
-            <a:endParaRPr lang="en-US"/>
-          </a:p>
-        </p:txBody>
-      </p:sp>
-      <p:sp>
-        <p:nvSpPr>
-          <p:cNvPr id="36" name="Abgerundetes Rechteck 35"/>
-          <p:cNvSpPr/>
-          <p:nvPr/>
-        </p:nvSpPr>
-        <p:spPr>
-          <a:xfrm>
-            <a:off x="-26282649" y="17055991"/>
-            <a:ext cx="6740205" cy="1898650"/>
-          </a:xfrm>
-          <a:prstGeom prst="roundRect">
-            <a:avLst>
-              <a:gd name="adj" fmla="val 50000"/>
-            </a:avLst>
-          </a:prstGeom>
-          <a:solidFill>
-            <a:schemeClr val="bg1"/>
-          </a:solidFill>
-          <a:ln w="127000">
-            <a:solidFill>
-              <a:srgbClr val="FF8080"/>
-            </a:solidFill>
-          </a:ln>
-        </p:spPr>
-        <p:style>
-          <a:lnRef idx="2">
-            <a:schemeClr val="accent1">
-              <a:shade val="50000"/>
-            </a:schemeClr>
-          </a:lnRef>
-          <a:fillRef idx="1">
-            <a:schemeClr val="accent1"/>
-          </a:fillRef>
-          <a:effectRef idx="0">
-            <a:schemeClr val="accent1"/>
-          </a:effectRef>
-          <a:fontRef idx="minor">
-            <a:schemeClr val="lt1"/>
-          </a:fontRef>
-        </p:style>
-        <p:txBody>
-          <a:bodyPr rtlCol="0" anchor="ctr"/>
-          <a:lstStyle/>
-          <a:p>
-            <a:pPr algn="ctr"/>
-            <a:r>
-              <a:rPr lang="en-US" b="1" dirty="0" smtClean="0">
-                <a:solidFill>
-                  <a:srgbClr val="FF8080"/>
-                </a:solidFill>
-                <a:latin typeface="Helvetica Neue" charset="0"/>
-                <a:ea typeface="Helvetica Neue" charset="0"/>
-                <a:cs typeface="Helvetica Neue" charset="0"/>
-              </a:rPr>
-              <a:t>Protection</a:t>
-            </a:r>
-            <a:endParaRPr lang="en-US" b="1" dirty="0">
-              <a:solidFill>
-                <a:srgbClr val="FF8080"/>
-              </a:solidFill>
               <a:latin typeface="Helvetica Neue" charset="0"/>
               <a:ea typeface="Helvetica Neue" charset="0"/>
               <a:cs typeface="Helvetica Neue" charset="0"/>
@@ -1572,8 +1450,8 @@
         </p:nvSpPr>
         <p:spPr>
           <a:xfrm>
-            <a:off x="622361" y="7971731"/>
-            <a:ext cx="14400508" cy="8884472"/>
+            <a:off x="622361" y="6612316"/>
+            <a:ext cx="14400508" cy="10243887"/>
           </a:xfrm>
           <a:prstGeom prst="roundRect">
             <a:avLst>
@@ -1612,188 +1490,6 @@
           </a:p>
         </p:txBody>
       </p:sp>
-      <p:sp>
-        <p:nvSpPr>
-          <p:cNvPr id="21" name="Abgerundetes Rechteck 35"/>
-          <p:cNvSpPr/>
-          <p:nvPr/>
-        </p:nvSpPr>
-        <p:spPr>
-          <a:xfrm>
-            <a:off x="1941265" y="6897720"/>
-            <a:ext cx="6864643" cy="1898650"/>
-          </a:xfrm>
-          <a:prstGeom prst="roundRect">
-            <a:avLst>
-              <a:gd name="adj" fmla="val 50000"/>
-            </a:avLst>
-          </a:prstGeom>
-          <a:solidFill>
-            <a:schemeClr val="bg1"/>
-          </a:solidFill>
-          <a:ln w="127000">
-            <a:solidFill>
-              <a:srgbClr val="FF8080"/>
-            </a:solidFill>
-          </a:ln>
-        </p:spPr>
-        <p:style>
-          <a:lnRef idx="2">
-            <a:schemeClr val="accent1">
-              <a:shade val="50000"/>
-            </a:schemeClr>
-          </a:lnRef>
-          <a:fillRef idx="1">
-            <a:schemeClr val="accent1"/>
-          </a:fillRef>
-          <a:effectRef idx="0">
-            <a:schemeClr val="accent1"/>
-          </a:effectRef>
-          <a:fontRef idx="minor">
-            <a:schemeClr val="lt1"/>
-          </a:fontRef>
-        </p:style>
-        <p:txBody>
-          <a:bodyPr rtlCol="0" anchor="ctr"/>
-          <a:lstStyle/>
-          <a:p>
-            <a:pPr algn="ctr"/>
-            <a:r>
-              <a:rPr lang="en-US" b="1" dirty="0" smtClean="0">
-                <a:solidFill>
-                  <a:srgbClr val="FF8080"/>
-                </a:solidFill>
-                <a:latin typeface="Helvetica Neue" charset="0"/>
-                <a:ea typeface="Helvetica Neue" charset="0"/>
-                <a:cs typeface="Helvetica Neue" charset="0"/>
-              </a:rPr>
-              <a:t>Why?</a:t>
-            </a:r>
-            <a:endParaRPr lang="en-US" b="1" dirty="0">
-              <a:solidFill>
-                <a:srgbClr val="FF8080"/>
-              </a:solidFill>
-              <a:latin typeface="Helvetica Neue" charset="0"/>
-              <a:ea typeface="Helvetica Neue" charset="0"/>
-              <a:cs typeface="Helvetica Neue" charset="0"/>
-            </a:endParaRPr>
-          </a:p>
-        </p:txBody>
-      </p:sp>
-      <p:sp>
-        <p:nvSpPr>
-          <p:cNvPr id="23" name="Abgerundetes Rechteck 35"/>
-          <p:cNvSpPr/>
-          <p:nvPr/>
-        </p:nvSpPr>
-        <p:spPr>
-          <a:xfrm>
-            <a:off x="-31283876" y="4576446"/>
-            <a:ext cx="28275935" cy="7565183"/>
-          </a:xfrm>
-          <a:prstGeom prst="roundRect">
-            <a:avLst/>
-          </a:prstGeom>
-          <a:noFill/>
-          <a:ln w="127000">
-            <a:solidFill>
-              <a:srgbClr val="FF8080"/>
-            </a:solidFill>
-          </a:ln>
-        </p:spPr>
-        <p:style>
-          <a:lnRef idx="2">
-            <a:schemeClr val="accent1">
-              <a:shade val="50000"/>
-            </a:schemeClr>
-          </a:lnRef>
-          <a:fillRef idx="1">
-            <a:schemeClr val="accent1"/>
-          </a:fillRef>
-          <a:effectRef idx="0">
-            <a:schemeClr val="accent1"/>
-          </a:effectRef>
-          <a:fontRef idx="minor">
-            <a:schemeClr val="lt1"/>
-          </a:fontRef>
-        </p:style>
-        <p:txBody>
-          <a:bodyPr rtlCol="0" anchor="ctr"/>
-          <a:lstStyle/>
-          <a:p>
-            <a:pPr algn="ctr"/>
-            <a:endParaRPr lang="en-US"/>
-          </a:p>
-        </p:txBody>
-      </p:sp>
-      <p:sp>
-        <p:nvSpPr>
-          <p:cNvPr id="24" name="Abgerundetes Rechteck 35"/>
-          <p:cNvSpPr/>
-          <p:nvPr/>
-        </p:nvSpPr>
-        <p:spPr>
-          <a:xfrm>
-            <a:off x="-29625717" y="3492929"/>
-            <a:ext cx="6740205" cy="1898650"/>
-          </a:xfrm>
-          <a:prstGeom prst="roundRect">
-            <a:avLst>
-              <a:gd name="adj" fmla="val 50000"/>
-            </a:avLst>
-          </a:prstGeom>
-          <a:solidFill>
-            <a:schemeClr val="bg1"/>
-          </a:solidFill>
-          <a:ln w="127000">
-            <a:solidFill>
-              <a:srgbClr val="FF8080"/>
-            </a:solidFill>
-          </a:ln>
-        </p:spPr>
-        <p:style>
-          <a:lnRef idx="2">
-            <a:schemeClr val="accent1">
-              <a:shade val="50000"/>
-            </a:schemeClr>
-          </a:lnRef>
-          <a:fillRef idx="1">
-            <a:schemeClr val="accent1"/>
-          </a:fillRef>
-          <a:effectRef idx="0">
-            <a:schemeClr val="accent1"/>
-          </a:effectRef>
-          <a:fontRef idx="minor">
-            <a:schemeClr val="lt1"/>
-          </a:fontRef>
-        </p:style>
-        <p:txBody>
-          <a:bodyPr rtlCol="0" anchor="ctr"/>
-          <a:lstStyle/>
-          <a:p>
-            <a:pPr algn="ctr"/>
-            <a:r>
-              <a:rPr lang="en-US" b="1" dirty="0" smtClean="0">
-                <a:solidFill>
-                  <a:srgbClr val="FF8080"/>
-                </a:solidFill>
-                <a:latin typeface="Helvetica Neue" charset="0"/>
-                <a:ea typeface="Helvetica Neue" charset="0"/>
-                <a:cs typeface="Helvetica Neue" charset="0"/>
-              </a:rPr>
-              <a:t>Comparability</a:t>
-            </a:r>
-            <a:endParaRPr lang="en-US" b="1" dirty="0">
-              <a:solidFill>
-                <a:srgbClr val="FF8080"/>
-              </a:solidFill>
-              <a:latin typeface="Helvetica Neue" charset="0"/>
-              <a:ea typeface="Helvetica Neue" charset="0"/>
-              <a:cs typeface="Helvetica Neue" charset="0"/>
-            </a:endParaRPr>
-          </a:p>
-        </p:txBody>
-      </p:sp>
       <p:grpSp>
         <p:nvGrpSpPr>
           <p:cNvPr id="2" name="Group 1"/>
@@ -1802,7 +1498,7 @@
         </p:nvGrpSpPr>
         <p:grpSpPr>
           <a:xfrm>
-            <a:off x="16583948" y="30211268"/>
+            <a:off x="16583948" y="29558128"/>
             <a:ext cx="10511121" cy="7296159"/>
             <a:chOff x="17834864" y="17543577"/>
             <a:chExt cx="10511121" cy="7296159"/>
@@ -2128,7 +1824,7 @@
         </p:blipFill>
         <p:spPr>
           <a:xfrm>
-            <a:off x="2413442" y="30211268"/>
+            <a:off x="2413442" y="29754070"/>
             <a:ext cx="10252426" cy="5510310"/>
           </a:xfrm>
           <a:prstGeom prst="rect">
@@ -2152,7 +1848,7 @@
         </p:blipFill>
         <p:spPr>
           <a:xfrm>
-            <a:off x="2273259" y="36273025"/>
+            <a:off x="2273259" y="35815827"/>
             <a:ext cx="4598135" cy="1200329"/>
           </a:xfrm>
           <a:prstGeom prst="rect">
@@ -2176,7 +1872,7 @@
         </p:blipFill>
         <p:spPr>
           <a:xfrm>
-            <a:off x="7675517" y="36273025"/>
+            <a:off x="7675517" y="35815827"/>
             <a:ext cx="5000130" cy="1200329"/>
           </a:xfrm>
           <a:prstGeom prst="rect">
@@ -2200,8 +1896,8 @@
         </p:blipFill>
         <p:spPr>
           <a:xfrm>
-            <a:off x="17392178" y="10247999"/>
-            <a:ext cx="9960605" cy="11470761"/>
+            <a:off x="16775595" y="11283442"/>
+            <a:ext cx="11906894" cy="13712132"/>
           </a:xfrm>
           <a:prstGeom prst="rect">
             <a:avLst/>
@@ -2216,8 +1912,8 @@
         </p:nvSpPr>
         <p:spPr>
           <a:xfrm>
-            <a:off x="1253528" y="9012177"/>
-            <a:ext cx="13507501" cy="7478970"/>
+            <a:off x="1068864" y="7461492"/>
+            <a:ext cx="13507501" cy="8956298"/>
           </a:xfrm>
           <a:prstGeom prst="rect">
             <a:avLst/>
@@ -2284,8 +1980,36 @@
                 <a:ea typeface="Helvetica Neue" charset="0"/>
                 <a:cs typeface="Helvetica Neue" charset="0"/>
               </a:rPr>
-              <a:t>These efforts should be guided by data about  relative prevalence of these impairments.</a:t>
-            </a:r>
+              <a:t>These efforts should be guided by data about  relative prevalence of these impairments</a:t>
+            </a:r>
+            <a:r>
+              <a:rPr lang="en-US" sz="4800" dirty="0" smtClean="0">
+                <a:latin typeface="Helvetica Neue" charset="0"/>
+                <a:ea typeface="Helvetica Neue" charset="0"/>
+                <a:cs typeface="Helvetica Neue" charset="0"/>
+              </a:rPr>
+              <a:t>.</a:t>
+            </a:r>
+            <a:endParaRPr lang="en-US" sz="4800" dirty="0">
+              <a:latin typeface="Helvetica Neue" charset="0"/>
+              <a:ea typeface="Helvetica Neue" charset="0"/>
+              <a:cs typeface="Helvetica Neue" charset="0"/>
+            </a:endParaRPr>
+          </a:p>
+          <a:p>
+            <a:r>
+              <a:rPr lang="en-US" sz="4800" dirty="0" smtClean="0">
+                <a:latin typeface="Helvetica Neue" charset="0"/>
+                <a:ea typeface="Helvetica Neue" charset="0"/>
+                <a:cs typeface="Helvetica Neue" charset="0"/>
+              </a:rPr>
+              <a:t>How to make this data available to networking research and operations communities?</a:t>
+            </a:r>
+            <a:endParaRPr lang="en-US" sz="4800" dirty="0" smtClean="0">
+              <a:latin typeface="Helvetica Neue" charset="0"/>
+              <a:ea typeface="Helvetica Neue" charset="0"/>
+              <a:cs typeface="Helvetica Neue" charset="0"/>
+            </a:endParaRPr>
           </a:p>
           <a:p>
             <a:pPr marL="685800" indent="-685800">
@@ -2300,20 +2024,20 @@
           </a:p>
           <a:p>
             <a:r>
-              <a:rPr lang="en-US" sz="4800" dirty="0">
-                <a:latin typeface="Helvetica Neue" charset="0"/>
-                <a:ea typeface="Helvetica Neue" charset="0"/>
-                <a:cs typeface="Helvetica Neue" charset="0"/>
-              </a:rPr>
-              <a:t>→</a:t>
-            </a:r>
-            <a:r>
               <a:rPr lang="en-US" sz="4800" dirty="0" smtClean="0">
                 <a:latin typeface="Helvetica Neue" charset="0"/>
                 <a:ea typeface="Helvetica Neue" charset="0"/>
                 <a:cs typeface="Helvetica Neue" charset="0"/>
               </a:rPr>
-              <a:t> we build an open repository around a common data model for </a:t>
+              <a:t>→ </a:t>
+            </a:r>
+            <a:r>
+              <a:rPr lang="en-US" sz="4800" dirty="0" smtClean="0">
+                <a:latin typeface="Helvetica Neue" charset="0"/>
+                <a:ea typeface="Helvetica Neue" charset="0"/>
+                <a:cs typeface="Helvetica Neue" charset="0"/>
+              </a:rPr>
+              <a:t>build an open repository around a common data model for </a:t>
             </a:r>
             <a:r>
               <a:rPr lang="en-US" sz="4800" b="1" dirty="0" smtClean="0">
@@ -2472,7 +2196,7 @@
         </p:nvSpPr>
         <p:spPr>
           <a:xfrm>
-            <a:off x="921766" y="26391993"/>
+            <a:off x="921766" y="26196051"/>
             <a:ext cx="13507501" cy="3046988"/>
           </a:xfrm>
           <a:prstGeom prst="rect">
@@ -2578,7 +2302,7 @@
         </p:nvSpPr>
         <p:spPr>
           <a:xfrm>
-            <a:off x="16688776" y="26391993"/>
+            <a:off x="16688776" y="26196051"/>
             <a:ext cx="11795745" cy="3046988"/>
           </a:xfrm>
           <a:prstGeom prst="rect">
@@ -2841,7 +2565,7 @@
         </p:nvSpPr>
         <p:spPr>
           <a:xfrm>
-            <a:off x="16474609" y="6744115"/>
+            <a:off x="16583948" y="7464167"/>
             <a:ext cx="11795745" cy="3046988"/>
           </a:xfrm>
           <a:prstGeom prst="rect">
@@ -2897,7 +2621,7 @@
         <p:spPr>
           <a:xfrm>
             <a:off x="666000" y="17231798"/>
-            <a:ext cx="14356868" cy="20781116"/>
+            <a:ext cx="14356868" cy="20258602"/>
           </a:xfrm>
           <a:prstGeom prst="roundRect">
             <a:avLst>
@@ -2944,8 +2668,8 @@
         </p:nvSpPr>
         <p:spPr>
           <a:xfrm>
-            <a:off x="15408215" y="6465644"/>
-            <a:ext cx="14356868" cy="31547269"/>
+            <a:off x="15408215" y="6465645"/>
+            <a:ext cx="14356868" cy="31024756"/>
           </a:xfrm>
           <a:prstGeom prst="roundRect">
             <a:avLst>
@@ -3002,7 +2726,7 @@
         </p:blipFill>
         <p:spPr>
           <a:xfrm>
-            <a:off x="14045553" y="7016743"/>
+            <a:off x="14010076" y="16036627"/>
             <a:ext cx="2190750" cy="2190750"/>
           </a:xfrm>
           <a:prstGeom prst="rect">
@@ -3013,6 +2737,95 @@
           </a:ln>
         </p:spPr>
       </p:pic>
+      <p:sp>
+        <p:nvSpPr>
+          <p:cNvPr id="30" name="Titel 1"/>
+          <p:cNvSpPr txBox="1">
+            <a:spLocks/>
+          </p:cNvSpPr>
+          <p:nvPr/>
+        </p:nvSpPr>
+        <p:spPr>
+          <a:xfrm>
+            <a:off x="666000" y="38041847"/>
+            <a:ext cx="28878903" cy="1433640"/>
+          </a:xfrm>
+          <a:prstGeom prst="rect">
+            <a:avLst/>
+          </a:prstGeom>
+        </p:spPr>
+        <p:txBody>
+          <a:bodyPr anchor="t"/>
+          <a:lstStyle>
+            <a:lvl1pPr algn="ctr" defTabSz="3027487" rtl="0" eaLnBrk="1" latinLnBrk="0" hangingPunct="1">
+              <a:lnSpc>
+                <a:spcPct val="90000"/>
+              </a:lnSpc>
+              <a:spcBef>
+                <a:spcPct val="0"/>
+              </a:spcBef>
+              <a:buNone/>
+              <a:defRPr sz="6000" kern="1200">
+                <a:solidFill>
+                  <a:schemeClr val="tx1"/>
+                </a:solidFill>
+                <a:latin typeface="+mj-lt"/>
+                <a:ea typeface="+mj-ea"/>
+                <a:cs typeface="+mj-cs"/>
+              </a:defRPr>
+            </a:lvl1pPr>
+          </a:lstStyle>
+          <a:p>
+            <a:r>
+              <a:rPr lang="en-US" sz="4400" b="1" dirty="0" smtClean="0">
+                <a:latin typeface="Helvetica Neue" charset="0"/>
+                <a:ea typeface="Helvetica Neue" charset="0"/>
+                <a:cs typeface="Helvetica Neue" charset="0"/>
+              </a:rPr>
+              <a:t>Deploying soon: </a:t>
+            </a:r>
+            <a:r>
+              <a:rPr lang="en-US" sz="4400" b="1" dirty="0" smtClean="0">
+                <a:latin typeface="Helvetica Neue" charset="0"/>
+                <a:ea typeface="Helvetica Neue" charset="0"/>
+                <a:cs typeface="Helvetica Neue" charset="0"/>
+                <a:hlinkClick r:id="rId8"/>
+              </a:rPr>
+              <a:t>https://observatory.mami-project.eu/</a:t>
+            </a:r>
+            <a:r>
+              <a:rPr lang="en-US" sz="4400" b="1" dirty="0" smtClean="0">
+                <a:latin typeface="Helvetica Neue" charset="0"/>
+                <a:ea typeface="Helvetica Neue" charset="0"/>
+                <a:cs typeface="Helvetica Neue" charset="0"/>
+              </a:rPr>
+              <a:t> — code: </a:t>
+            </a:r>
+            <a:r>
+              <a:rPr lang="en-US" sz="4400" b="1" dirty="0" smtClean="0">
+                <a:latin typeface="Helvetica Neue" charset="0"/>
+                <a:ea typeface="Helvetica Neue" charset="0"/>
+                <a:cs typeface="Helvetica Neue" charset="0"/>
+                <a:hlinkClick r:id="rId9"/>
+              </a:rPr>
+              <a:t>https://github.com/mami-project/pto3-go</a:t>
+            </a:r>
+            <a:r>
+              <a:rPr lang="en-US" sz="4400" b="1" dirty="0" smtClean="0">
+                <a:latin typeface="Helvetica Neue" charset="0"/>
+                <a:ea typeface="Helvetica Neue" charset="0"/>
+                <a:cs typeface="Helvetica Neue" charset="0"/>
+              </a:rPr>
+              <a:t> </a:t>
+            </a:r>
+            <a:endParaRPr lang="en-US" sz="4400" b="1" dirty="0">
+              <a:latin typeface="Helvetica Neue" charset="0"/>
+              <a:ea typeface="Helvetica Neue" charset="0"/>
+              <a:cs typeface="Helvetica Neue" charset="0"/>
+            </a:endParaRPr>
+          </a:p>
+        </p:txBody>
+      </p:sp>
     </p:spTree>
     <p:extLst>
       <p:ext uri="{BB962C8B-B14F-4D97-AF65-F5344CB8AC3E}">

--- a/imc17-pto-poster/imc17-pto-poster.pptx
+++ b/imc17-pto-poster/imc17-pto-poster.pptx
@@ -2083,7 +2083,7 @@
         <p:spPr>
           <a:xfrm>
             <a:off x="666000" y="17407800"/>
-            <a:ext cx="14095029" cy="2632259"/>
+            <a:ext cx="14095029" cy="1569660"/>
           </a:xfrm>
           <a:prstGeom prst="rect">
             <a:avLst/>
@@ -2167,20 +2167,17 @@
                 <a:ea typeface="Helvetica Neue" charset="0"/>
                 <a:cs typeface="Helvetica Neue" charset="0"/>
               </a:rPr>
-              <a:t>held:</a:t>
-            </a:r>
-          </a:p>
-          <a:p>
-            <a:pPr algn="ctr"/>
-            <a:r>
-              <a:rPr lang="en-US" b="1" i="1" dirty="0" smtClean="0">
-                <a:latin typeface="Helvetica Neue" charset="0"/>
-                <a:ea typeface="Helvetica Neue" charset="0"/>
-                <a:cs typeface="Helvetica Neue" charset="0"/>
-              </a:rPr>
-              <a:t>O = {t, p, c}</a:t>
-            </a:r>
-            <a:endParaRPr lang="en-US" b="1" i="1" dirty="0">
+              <a:t>held</a:t>
+            </a:r>
+            <a:r>
+              <a:rPr lang="en-US" sz="4800" dirty="0" smtClean="0">
+                <a:latin typeface="Helvetica Neue" charset="0"/>
+                <a:ea typeface="Helvetica Neue" charset="0"/>
+                <a:cs typeface="Helvetica Neue" charset="0"/>
+              </a:rPr>
+              <a:t>:</a:t>
+            </a:r>
+            <a:endParaRPr lang="en-US" sz="4800" dirty="0" smtClean="0">
               <a:latin typeface="Helvetica Neue" charset="0"/>
               <a:ea typeface="Helvetica Neue" charset="0"/>
               <a:cs typeface="Helvetica Neue" charset="0"/>
@@ -2819,6 +2816,44 @@
               <a:t> </a:t>
             </a:r>
             <a:endParaRPr lang="en-US" sz="4400" b="1" dirty="0">
+              <a:latin typeface="Helvetica Neue" charset="0"/>
+              <a:ea typeface="Helvetica Neue" charset="0"/>
+              <a:cs typeface="Helvetica Neue" charset="0"/>
+            </a:endParaRPr>
+          </a:p>
+        </p:txBody>
+      </p:sp>
+      <p:sp>
+        <p:nvSpPr>
+          <p:cNvPr id="3" name="Rectangle 2"/>
+          <p:cNvSpPr/>
+          <p:nvPr/>
+        </p:nvSpPr>
+        <p:spPr>
+          <a:xfrm>
+            <a:off x="5121365" y="19213681"/>
+            <a:ext cx="4836580" cy="1154932"/>
+          </a:xfrm>
+          <a:prstGeom prst="rect">
+            <a:avLst/>
+          </a:prstGeom>
+        </p:spPr>
+        <p:txBody>
+          <a:bodyPr wrap="none">
+            <a:spAutoFit/>
+          </a:bodyPr>
+          <a:lstStyle/>
+          <a:p>
+            <a:pPr algn="ctr"/>
+            <a:r>
+              <a:rPr lang="en-US" b="1" i="1">
+                <a:latin typeface="Helvetica Neue" charset="0"/>
+                <a:ea typeface="Helvetica Neue" charset="0"/>
+                <a:cs typeface="Helvetica Neue" charset="0"/>
+              </a:rPr>
+              <a:t>O = {t, p, c}</a:t>
+            </a:r>
+            <a:endParaRPr lang="en-US" b="1" i="1" dirty="0">
               <a:latin typeface="Helvetica Neue" charset="0"/>
               <a:ea typeface="Helvetica Neue" charset="0"/>
               <a:cs typeface="Helvetica Neue" charset="0"/>

--- a/imc17-pto-poster/imc17-pto-poster.pptx
+++ b/imc17-pto-poster/imc17-pto-poster.pptx
@@ -1451,7 +1451,7 @@
         <p:spPr>
           <a:xfrm>
             <a:off x="622361" y="6612316"/>
-            <a:ext cx="14400508" cy="10243887"/>
+            <a:ext cx="14400508" cy="7814569"/>
           </a:xfrm>
           <a:prstGeom prst="roundRect">
             <a:avLst>
@@ -1490,324 +1490,290 @@
           </a:p>
         </p:txBody>
       </p:sp>
-      <p:grpSp>
-        <p:nvGrpSpPr>
-          <p:cNvPr id="2" name="Group 1"/>
-          <p:cNvGrpSpPr/>
+      <p:pic>
+        <p:nvPicPr>
+          <p:cNvPr id="5" name="Picture 4"/>
+          <p:cNvPicPr>
+            <a:picLocks noChangeAspect="1"/>
+          </p:cNvPicPr>
           <p:nvPr/>
-        </p:nvGrpSpPr>
-        <p:grpSpPr>
+        </p:nvPicPr>
+        <p:blipFill>
+          <a:blip r:embed="rId2"/>
+          <a:stretch>
+            <a:fillRect/>
+          </a:stretch>
+        </p:blipFill>
+        <p:spPr>
           <a:xfrm>
-            <a:off x="16583948" y="29558128"/>
-            <a:ext cx="10511121" cy="7296159"/>
-            <a:chOff x="17834864" y="17543577"/>
-            <a:chExt cx="10511121" cy="7296159"/>
-          </a:xfrm>
-        </p:grpSpPr>
-        <p:pic>
-          <p:nvPicPr>
-            <p:cNvPr id="5" name="Picture 4"/>
-            <p:cNvPicPr>
-              <a:picLocks noChangeAspect="1"/>
-            </p:cNvPicPr>
-            <p:nvPr/>
-          </p:nvPicPr>
-          <p:blipFill>
-            <a:blip r:embed="rId2"/>
-            <a:stretch>
-              <a:fillRect/>
-            </a:stretch>
-          </p:blipFill>
-          <p:spPr>
-            <a:xfrm>
-              <a:off x="21513385" y="17638836"/>
-              <a:ext cx="6832600" cy="7200900"/>
-            </a:xfrm>
-            <a:prstGeom prst="rect">
-              <a:avLst/>
-            </a:prstGeom>
-          </p:spPr>
-        </p:pic>
-        <p:sp>
-          <p:nvSpPr>
-            <p:cNvPr id="8" name="TextBox 7"/>
-            <p:cNvSpPr txBox="1"/>
-            <p:nvPr/>
-          </p:nvSpPr>
-          <p:spPr>
-            <a:xfrm>
-              <a:off x="18299453" y="17543577"/>
-              <a:ext cx="2959139" cy="923330"/>
-            </a:xfrm>
-            <a:prstGeom prst="rect">
-              <a:avLst/>
-            </a:prstGeom>
-            <a:noFill/>
-          </p:spPr>
-          <p:txBody>
-            <a:bodyPr wrap="square" rtlCol="0">
-              <a:spAutoFit/>
-            </a:bodyPr>
-            <a:lstStyle/>
-            <a:p>
-              <a:pPr algn="r"/>
-              <a:r>
-                <a:rPr lang="en-US" sz="1800" b="1" dirty="0" smtClean="0">
-                  <a:latin typeface="Helvetica Neue" charset="0"/>
-                  <a:ea typeface="Helvetica Neue" charset="0"/>
-                  <a:cs typeface="Helvetica Neue" charset="0"/>
-                </a:rPr>
-                <a:t>Raw</a:t>
-              </a:r>
-              <a:r>
-                <a:rPr lang="en-US" sz="1800" dirty="0" smtClean="0">
-                  <a:latin typeface="Helvetica Neue" charset="0"/>
-                  <a:ea typeface="Helvetica Neue" charset="0"/>
-                  <a:cs typeface="Helvetica Neue" charset="0"/>
-                </a:rPr>
-                <a:t> metadata includes </a:t>
-              </a:r>
-            </a:p>
-            <a:p>
-              <a:pPr algn="r"/>
-              <a:r>
-                <a:rPr lang="en-US" sz="1800" dirty="0" smtClean="0">
-                  <a:latin typeface="Helvetica Neue" charset="0"/>
-                  <a:ea typeface="Helvetica Neue" charset="0"/>
-                  <a:cs typeface="Helvetica Neue" charset="0"/>
-                </a:rPr>
-                <a:t>file format definition and </a:t>
-              </a:r>
-            </a:p>
-            <a:p>
-              <a:pPr algn="r"/>
-              <a:r>
-                <a:rPr lang="en-US" sz="1800" dirty="0" smtClean="0">
-                  <a:latin typeface="Helvetica Neue" charset="0"/>
-                  <a:ea typeface="Helvetica Neue" charset="0"/>
-                  <a:cs typeface="Helvetica Neue" charset="0"/>
-                </a:rPr>
-                <a:t>owner contact information.</a:t>
-              </a:r>
-              <a:endParaRPr lang="en-US" sz="1800" dirty="0">
-                <a:latin typeface="Helvetica Neue" charset="0"/>
-                <a:ea typeface="Helvetica Neue" charset="0"/>
-                <a:cs typeface="Helvetica Neue" charset="0"/>
-              </a:endParaRPr>
-            </a:p>
-          </p:txBody>
-        </p:sp>
-        <p:sp>
-          <p:nvSpPr>
-            <p:cNvPr id="26" name="TextBox 25"/>
-            <p:cNvSpPr txBox="1"/>
-            <p:nvPr/>
-          </p:nvSpPr>
-          <p:spPr>
-            <a:xfrm>
-              <a:off x="17834864" y="18856286"/>
-              <a:ext cx="3423728" cy="923330"/>
-            </a:xfrm>
-            <a:prstGeom prst="rect">
-              <a:avLst/>
-            </a:prstGeom>
-            <a:noFill/>
-          </p:spPr>
-          <p:txBody>
-            <a:bodyPr wrap="square" rtlCol="0">
-              <a:spAutoFit/>
-            </a:bodyPr>
-            <a:lstStyle/>
-            <a:p>
-              <a:pPr algn="r"/>
-              <a:r>
-                <a:rPr lang="en-US" sz="1800" b="1" dirty="0" smtClean="0">
-                  <a:latin typeface="Helvetica Neue" charset="0"/>
-                  <a:ea typeface="Helvetica Neue" charset="0"/>
-                  <a:cs typeface="Helvetica Neue" charset="0"/>
-                </a:rPr>
-                <a:t>Analysis</a:t>
-              </a:r>
-              <a:r>
-                <a:rPr lang="en-US" sz="1800" dirty="0" smtClean="0">
-                  <a:latin typeface="Helvetica Neue" charset="0"/>
-                  <a:ea typeface="Helvetica Neue" charset="0"/>
-                  <a:cs typeface="Helvetica Neue" charset="0"/>
-                </a:rPr>
-                <a:t> metadata includes commit-specific reference to  platform-independent sources.</a:t>
-              </a:r>
-              <a:endParaRPr lang="en-US" sz="1800" dirty="0">
-                <a:latin typeface="Helvetica Neue" charset="0"/>
-                <a:ea typeface="Helvetica Neue" charset="0"/>
-                <a:cs typeface="Helvetica Neue" charset="0"/>
-              </a:endParaRPr>
-            </a:p>
-          </p:txBody>
-        </p:sp>
-        <p:sp>
-          <p:nvSpPr>
-            <p:cNvPr id="27" name="TextBox 26"/>
-            <p:cNvSpPr txBox="1"/>
-            <p:nvPr/>
-          </p:nvSpPr>
-          <p:spPr>
-            <a:xfrm>
-              <a:off x="18366687" y="20332805"/>
-              <a:ext cx="3423728" cy="923330"/>
-            </a:xfrm>
-            <a:prstGeom prst="rect">
-              <a:avLst/>
-            </a:prstGeom>
-            <a:noFill/>
-          </p:spPr>
-          <p:txBody>
-            <a:bodyPr wrap="square" rtlCol="0">
-              <a:spAutoFit/>
-            </a:bodyPr>
-            <a:lstStyle/>
-            <a:p>
-              <a:pPr algn="r"/>
-              <a:r>
-                <a:rPr lang="en-US" sz="1800" dirty="0" smtClean="0">
-                  <a:latin typeface="Helvetica Neue" charset="0"/>
-                  <a:ea typeface="Helvetica Neue" charset="0"/>
-                  <a:cs typeface="Helvetica Neue" charset="0"/>
-                </a:rPr>
-                <a:t>Observations are grouped into </a:t>
-              </a:r>
-              <a:r>
-                <a:rPr lang="en-US" sz="1800" b="1" dirty="0" smtClean="0">
-                  <a:latin typeface="Helvetica Neue" charset="0"/>
-                  <a:ea typeface="Helvetica Neue" charset="0"/>
-                  <a:cs typeface="Helvetica Neue" charset="0"/>
-                </a:rPr>
-                <a:t>observation sets</a:t>
-              </a:r>
-              <a:r>
-                <a:rPr lang="en-US" sz="1800" dirty="0" smtClean="0">
-                  <a:latin typeface="Helvetica Neue" charset="0"/>
-                  <a:ea typeface="Helvetica Neue" charset="0"/>
-                  <a:cs typeface="Helvetica Neue" charset="0"/>
-                </a:rPr>
-                <a:t>, which </a:t>
-              </a:r>
-              <a:r>
-                <a:rPr lang="en-US" sz="1800" b="1" dirty="0" smtClean="0">
-                  <a:latin typeface="Helvetica Neue" charset="0"/>
-                  <a:ea typeface="Helvetica Neue" charset="0"/>
-                  <a:cs typeface="Helvetica Neue" charset="0"/>
-                </a:rPr>
-                <a:t>share common provenance.</a:t>
-              </a:r>
-            </a:p>
-          </p:txBody>
-        </p:sp>
-        <p:sp>
-          <p:nvSpPr>
-            <p:cNvPr id="28" name="TextBox 27"/>
-            <p:cNvSpPr txBox="1"/>
-            <p:nvPr/>
-          </p:nvSpPr>
-          <p:spPr>
-            <a:xfrm>
-              <a:off x="18146925" y="21713031"/>
-              <a:ext cx="3643490" cy="1200329"/>
-            </a:xfrm>
-            <a:prstGeom prst="rect">
-              <a:avLst/>
-            </a:prstGeom>
-            <a:noFill/>
-          </p:spPr>
-          <p:txBody>
-            <a:bodyPr wrap="square" rtlCol="0">
-              <a:spAutoFit/>
-            </a:bodyPr>
-            <a:lstStyle/>
-            <a:p>
-              <a:pPr algn="r"/>
-              <a:r>
-                <a:rPr lang="en-US" sz="1800" b="1" dirty="0" smtClean="0">
-                  <a:latin typeface="Helvetica Neue" charset="0"/>
-                  <a:ea typeface="Helvetica Neue" charset="0"/>
-                  <a:cs typeface="Helvetica Neue" charset="0"/>
-                </a:rPr>
-                <a:t>Observation set </a:t>
-              </a:r>
-              <a:r>
-                <a:rPr lang="en-US" sz="1800" smtClean="0">
-                  <a:latin typeface="Helvetica Neue" charset="0"/>
-                  <a:ea typeface="Helvetica Neue" charset="0"/>
-                  <a:cs typeface="Helvetica Neue" charset="0"/>
-                </a:rPr>
-                <a:t>metadata links </a:t>
-              </a:r>
-              <a:r>
-                <a:rPr lang="en-US" sz="1800" dirty="0" smtClean="0">
-                  <a:latin typeface="Helvetica Neue" charset="0"/>
-                  <a:ea typeface="Helvetica Neue" charset="0"/>
-                  <a:cs typeface="Helvetica Neue" charset="0"/>
-                </a:rPr>
-                <a:t>to observations and raw data files from which they are derived, plus analysis that produced them.</a:t>
-              </a:r>
-            </a:p>
-          </p:txBody>
-        </p:sp>
-        <p:sp>
-          <p:nvSpPr>
-            <p:cNvPr id="29" name="TextBox 28"/>
-            <p:cNvSpPr txBox="1"/>
-            <p:nvPr/>
-          </p:nvSpPr>
-          <p:spPr>
-            <a:xfrm>
-              <a:off x="19097067" y="23639407"/>
-              <a:ext cx="3423728" cy="1200329"/>
-            </a:xfrm>
-            <a:prstGeom prst="rect">
-              <a:avLst/>
-            </a:prstGeom>
-            <a:noFill/>
-          </p:spPr>
-          <p:txBody>
-            <a:bodyPr wrap="square" rtlCol="0">
-              <a:spAutoFit/>
-            </a:bodyPr>
-            <a:lstStyle/>
-            <a:p>
-              <a:pPr algn="r"/>
-              <a:r>
-                <a:rPr lang="en-US" sz="1800" b="1" dirty="0" smtClean="0">
-                  <a:latin typeface="Helvetica Neue" charset="0"/>
-                  <a:ea typeface="Helvetica Neue" charset="0"/>
-                  <a:cs typeface="Helvetica Neue" charset="0"/>
-                </a:rPr>
-                <a:t>Queries </a:t>
-              </a:r>
-              <a:r>
-                <a:rPr lang="en-US" sz="1800" dirty="0" smtClean="0">
-                  <a:latin typeface="Helvetica Neue" charset="0"/>
-                  <a:ea typeface="Helvetica Neue" charset="0"/>
-                  <a:cs typeface="Helvetica Neue" charset="0"/>
-                </a:rPr>
-                <a:t>can be made permanently cacheable, and metadata links </a:t>
-              </a:r>
-              <a:r>
-                <a:rPr lang="en-US" sz="1800" smtClean="0">
-                  <a:latin typeface="Helvetica Neue" charset="0"/>
-                  <a:ea typeface="Helvetica Neue" charset="0"/>
-                  <a:cs typeface="Helvetica Neue" charset="0"/>
-                </a:rPr>
-                <a:t>to observation sets involved in query results. </a:t>
-              </a:r>
-              <a:endParaRPr lang="en-US" sz="1800" b="1" dirty="0" smtClean="0">
-                <a:latin typeface="Helvetica Neue" charset="0"/>
-                <a:ea typeface="Helvetica Neue" charset="0"/>
-                <a:cs typeface="Helvetica Neue" charset="0"/>
-              </a:endParaRPr>
-            </a:p>
-          </p:txBody>
-        </p:sp>
-      </p:grpSp>
+            <a:off x="19297457" y="27984700"/>
+            <a:ext cx="7533214" cy="7939279"/>
+          </a:xfrm>
+          <a:prstGeom prst="rect">
+            <a:avLst/>
+          </a:prstGeom>
+        </p:spPr>
+      </p:pic>
+      <p:sp>
+        <p:nvSpPr>
+          <p:cNvPr id="8" name="TextBox 7"/>
+          <p:cNvSpPr txBox="1"/>
+          <p:nvPr/>
+        </p:nvSpPr>
+        <p:spPr>
+          <a:xfrm>
+            <a:off x="15753210" y="27823819"/>
+            <a:ext cx="4416701" cy="1477328"/>
+          </a:xfrm>
+          <a:prstGeom prst="rect">
+            <a:avLst/>
+          </a:prstGeom>
+          <a:noFill/>
+        </p:spPr>
+        <p:txBody>
+          <a:bodyPr wrap="square" rtlCol="0">
+            <a:spAutoFit/>
+          </a:bodyPr>
+          <a:lstStyle/>
+          <a:p>
+            <a:pPr algn="r"/>
+            <a:r>
+              <a:rPr lang="en-US" sz="3000" b="1" dirty="0" smtClean="0">
+                <a:latin typeface="Helvetica Neue" charset="0"/>
+                <a:ea typeface="Helvetica Neue" charset="0"/>
+                <a:cs typeface="Helvetica Neue" charset="0"/>
+              </a:rPr>
+              <a:t>Raw</a:t>
+            </a:r>
+            <a:r>
+              <a:rPr lang="en-US" sz="3000" dirty="0" smtClean="0">
+                <a:latin typeface="Helvetica Neue" charset="0"/>
+                <a:ea typeface="Helvetica Neue" charset="0"/>
+                <a:cs typeface="Helvetica Neue" charset="0"/>
+              </a:rPr>
+              <a:t> metadata includes </a:t>
+            </a:r>
+          </a:p>
+          <a:p>
+            <a:pPr algn="r"/>
+            <a:r>
+              <a:rPr lang="en-US" sz="3000" dirty="0" smtClean="0">
+                <a:latin typeface="Helvetica Neue" charset="0"/>
+                <a:ea typeface="Helvetica Neue" charset="0"/>
+                <a:cs typeface="Helvetica Neue" charset="0"/>
+              </a:rPr>
+              <a:t>file format definition and </a:t>
+            </a:r>
+          </a:p>
+          <a:p>
+            <a:pPr algn="r"/>
+            <a:r>
+              <a:rPr lang="en-US" sz="3000" dirty="0" smtClean="0">
+                <a:latin typeface="Helvetica Neue" charset="0"/>
+                <a:ea typeface="Helvetica Neue" charset="0"/>
+                <a:cs typeface="Helvetica Neue" charset="0"/>
+              </a:rPr>
+              <a:t>owner </a:t>
+            </a:r>
+            <a:r>
+              <a:rPr lang="en-US" sz="3000" dirty="0" smtClean="0">
+                <a:latin typeface="Helvetica Neue" charset="0"/>
+                <a:ea typeface="Helvetica Neue" charset="0"/>
+                <a:cs typeface="Helvetica Neue" charset="0"/>
+              </a:rPr>
+              <a:t>contact.</a:t>
+            </a:r>
+            <a:endParaRPr lang="en-US" sz="3000" dirty="0">
+              <a:latin typeface="Helvetica Neue" charset="0"/>
+              <a:ea typeface="Helvetica Neue" charset="0"/>
+              <a:cs typeface="Helvetica Neue" charset="0"/>
+            </a:endParaRPr>
+          </a:p>
+        </p:txBody>
+      </p:sp>
+      <p:sp>
+        <p:nvSpPr>
+          <p:cNvPr id="26" name="TextBox 25"/>
+          <p:cNvSpPr txBox="1"/>
+          <p:nvPr/>
+        </p:nvSpPr>
+        <p:spPr>
+          <a:xfrm>
+            <a:off x="25996172" y="31899868"/>
+            <a:ext cx="3423728" cy="1938992"/>
+          </a:xfrm>
+          <a:prstGeom prst="rect">
+            <a:avLst/>
+          </a:prstGeom>
+          <a:noFill/>
+        </p:spPr>
+        <p:txBody>
+          <a:bodyPr wrap="square" rtlCol="0">
+            <a:spAutoFit/>
+          </a:bodyPr>
+          <a:lstStyle/>
+          <a:p>
+            <a:r>
+              <a:rPr lang="en-US" sz="3000" b="1" dirty="0" smtClean="0">
+                <a:latin typeface="Helvetica Neue" charset="0"/>
+                <a:ea typeface="Helvetica Neue" charset="0"/>
+                <a:cs typeface="Helvetica Neue" charset="0"/>
+              </a:rPr>
+              <a:t>Analysis</a:t>
+            </a:r>
+            <a:r>
+              <a:rPr lang="en-US" sz="3000" dirty="0" smtClean="0">
+                <a:latin typeface="Helvetica Neue" charset="0"/>
+                <a:ea typeface="Helvetica Neue" charset="0"/>
+                <a:cs typeface="Helvetica Neue" charset="0"/>
+              </a:rPr>
+              <a:t> metadata includes commit-specific reference to </a:t>
+            </a:r>
+            <a:r>
+              <a:rPr lang="en-US" sz="3000" dirty="0" smtClean="0">
+                <a:latin typeface="Helvetica Neue" charset="0"/>
+                <a:ea typeface="Helvetica Neue" charset="0"/>
+                <a:cs typeface="Helvetica Neue" charset="0"/>
+              </a:rPr>
+              <a:t>code.</a:t>
+            </a:r>
+            <a:endParaRPr lang="en-US" sz="3000" dirty="0">
+              <a:latin typeface="Helvetica Neue" charset="0"/>
+              <a:ea typeface="Helvetica Neue" charset="0"/>
+              <a:cs typeface="Helvetica Neue" charset="0"/>
+            </a:endParaRPr>
+          </a:p>
+        </p:txBody>
+      </p:sp>
+      <p:sp>
+        <p:nvSpPr>
+          <p:cNvPr id="27" name="TextBox 26"/>
+          <p:cNvSpPr txBox="1"/>
+          <p:nvPr/>
+        </p:nvSpPr>
+        <p:spPr>
+          <a:xfrm>
+            <a:off x="16160878" y="31194055"/>
+            <a:ext cx="3423728" cy="2400657"/>
+          </a:xfrm>
+          <a:prstGeom prst="rect">
+            <a:avLst/>
+          </a:prstGeom>
+          <a:noFill/>
+        </p:spPr>
+        <p:txBody>
+          <a:bodyPr wrap="square" rtlCol="0">
+            <a:spAutoFit/>
+          </a:bodyPr>
+          <a:lstStyle/>
+          <a:p>
+            <a:pPr algn="r"/>
+            <a:r>
+              <a:rPr lang="en-US" sz="3000" dirty="0" smtClean="0">
+                <a:latin typeface="Helvetica Neue" charset="0"/>
+                <a:ea typeface="Helvetica Neue" charset="0"/>
+                <a:cs typeface="Helvetica Neue" charset="0"/>
+              </a:rPr>
+              <a:t>Observations are grouped into </a:t>
+            </a:r>
+            <a:r>
+              <a:rPr lang="en-US" sz="3000" b="1" dirty="0" smtClean="0">
+                <a:latin typeface="Helvetica Neue" charset="0"/>
+                <a:ea typeface="Helvetica Neue" charset="0"/>
+                <a:cs typeface="Helvetica Neue" charset="0"/>
+              </a:rPr>
+              <a:t>observation sets</a:t>
+            </a:r>
+            <a:r>
+              <a:rPr lang="en-US" sz="3000" dirty="0" smtClean="0">
+                <a:latin typeface="Helvetica Neue" charset="0"/>
+                <a:ea typeface="Helvetica Neue" charset="0"/>
+                <a:cs typeface="Helvetica Neue" charset="0"/>
+              </a:rPr>
+              <a:t>, </a:t>
+            </a:r>
+            <a:r>
+              <a:rPr lang="en-US" sz="3000" dirty="0" smtClean="0">
+                <a:latin typeface="Helvetica Neue" charset="0"/>
+                <a:ea typeface="Helvetica Neue" charset="0"/>
+                <a:cs typeface="Helvetica Neue" charset="0"/>
+              </a:rPr>
+              <a:t>sharing </a:t>
+            </a:r>
+            <a:r>
+              <a:rPr lang="en-US" sz="3000" dirty="0" smtClean="0">
+                <a:latin typeface="Helvetica Neue" charset="0"/>
+                <a:ea typeface="Helvetica Neue" charset="0"/>
+                <a:cs typeface="Helvetica Neue" charset="0"/>
+              </a:rPr>
+              <a:t>common </a:t>
+            </a:r>
+            <a:r>
+              <a:rPr lang="en-US" sz="3000" b="1" dirty="0" smtClean="0">
+                <a:latin typeface="Helvetica Neue" charset="0"/>
+                <a:ea typeface="Helvetica Neue" charset="0"/>
+                <a:cs typeface="Helvetica Neue" charset="0"/>
+              </a:rPr>
+              <a:t>provenance.</a:t>
+            </a:r>
+          </a:p>
+        </p:txBody>
+      </p:sp>
+      <p:sp>
+        <p:nvSpPr>
+          <p:cNvPr id="29" name="TextBox 28"/>
+          <p:cNvSpPr txBox="1"/>
+          <p:nvPr/>
+        </p:nvSpPr>
+        <p:spPr>
+          <a:xfrm>
+            <a:off x="17900643" y="35147291"/>
+            <a:ext cx="4132136" cy="1477328"/>
+          </a:xfrm>
+          <a:prstGeom prst="rect">
+            <a:avLst/>
+          </a:prstGeom>
+          <a:noFill/>
+        </p:spPr>
+        <p:txBody>
+          <a:bodyPr wrap="square" rtlCol="0">
+            <a:spAutoFit/>
+          </a:bodyPr>
+          <a:lstStyle/>
+          <a:p>
+            <a:pPr algn="r"/>
+            <a:r>
+              <a:rPr lang="en-US" sz="3000" b="1" dirty="0" smtClean="0">
+                <a:latin typeface="Helvetica Neue" charset="0"/>
+                <a:ea typeface="Helvetica Neue" charset="0"/>
+                <a:cs typeface="Helvetica Neue" charset="0"/>
+              </a:rPr>
+              <a:t>Queries </a:t>
+            </a:r>
+            <a:r>
+              <a:rPr lang="en-US" sz="3000" dirty="0" smtClean="0">
+                <a:latin typeface="Helvetica Neue" charset="0"/>
+                <a:ea typeface="Helvetica Neue" charset="0"/>
+                <a:cs typeface="Helvetica Neue" charset="0"/>
+              </a:rPr>
+              <a:t>can be </a:t>
+            </a:r>
+            <a:r>
+              <a:rPr lang="en-US" sz="3000" dirty="0" smtClean="0">
+                <a:latin typeface="Helvetica Neue" charset="0"/>
+                <a:ea typeface="Helvetica Neue" charset="0"/>
+                <a:cs typeface="Helvetica Neue" charset="0"/>
+              </a:rPr>
+              <a:t>cached permanently for public reference</a:t>
+            </a:r>
+            <a:endParaRPr lang="en-US" sz="3000" b="1" dirty="0" smtClean="0">
+              <a:latin typeface="Helvetica Neue" charset="0"/>
+              <a:ea typeface="Helvetica Neue" charset="0"/>
+              <a:cs typeface="Helvetica Neue" charset="0"/>
+            </a:endParaRPr>
+          </a:p>
+        </p:txBody>
+      </p:sp>
       <p:pic>
         <p:nvPicPr>
           <p:cNvPr id="6" name="Picture 5"/>
@@ -1824,56 +1790,8 @@
         </p:blipFill>
         <p:spPr>
           <a:xfrm>
-            <a:off x="2413442" y="29754070"/>
-            <a:ext cx="10252426" cy="5510310"/>
-          </a:xfrm>
-          <a:prstGeom prst="rect">
-            <a:avLst/>
-          </a:prstGeom>
-        </p:spPr>
-      </p:pic>
-      <p:pic>
-        <p:nvPicPr>
-          <p:cNvPr id="7" name="Picture 6"/>
-          <p:cNvPicPr>
-            <a:picLocks noChangeAspect="1"/>
-          </p:cNvPicPr>
-          <p:nvPr/>
-        </p:nvPicPr>
-        <p:blipFill>
-          <a:blip r:embed="rId4"/>
-          <a:stretch>
-            <a:fillRect/>
-          </a:stretch>
-        </p:blipFill>
-        <p:spPr>
-          <a:xfrm>
-            <a:off x="2273259" y="35815827"/>
-            <a:ext cx="4598135" cy="1200329"/>
-          </a:xfrm>
-          <a:prstGeom prst="rect">
-            <a:avLst/>
-          </a:prstGeom>
-        </p:spPr>
-      </p:pic>
-      <p:pic>
-        <p:nvPicPr>
-          <p:cNvPr id="9" name="Picture 8"/>
-          <p:cNvPicPr>
-            <a:picLocks noChangeAspect="1"/>
-          </p:cNvPicPr>
-          <p:nvPr/>
-        </p:nvPicPr>
-        <p:blipFill>
-          <a:blip r:embed="rId5"/>
-          <a:stretch>
-            <a:fillRect/>
-          </a:stretch>
-        </p:blipFill>
-        <p:spPr>
-          <a:xfrm>
-            <a:off x="7675517" y="35815827"/>
-            <a:ext cx="5000130" cy="1200329"/>
+            <a:off x="3044672" y="24395973"/>
+            <a:ext cx="9954217" cy="5350033"/>
           </a:xfrm>
           <a:prstGeom prst="rect">
             <a:avLst/>
@@ -1889,15 +1807,15 @@
           <p:nvPr/>
         </p:nvPicPr>
         <p:blipFill>
-          <a:blip r:embed="rId6"/>
+          <a:blip r:embed="rId4"/>
           <a:stretch>
             <a:fillRect/>
           </a:stretch>
         </p:blipFill>
         <p:spPr>
           <a:xfrm>
-            <a:off x="16775595" y="11283442"/>
-            <a:ext cx="11906894" cy="13712132"/>
+            <a:off x="16659592" y="9634769"/>
+            <a:ext cx="11854111" cy="13651346"/>
           </a:xfrm>
           <a:prstGeom prst="rect">
             <a:avLst/>
@@ -1912,8 +1830,8 @@
         </p:nvSpPr>
         <p:spPr>
           <a:xfrm>
-            <a:off x="1068864" y="7461492"/>
-            <a:ext cx="13507501" cy="8956298"/>
+            <a:off x="959763" y="7069114"/>
+            <a:ext cx="13507501" cy="6863417"/>
           </a:xfrm>
           <a:prstGeom prst="rect">
             <a:avLst/>
@@ -1926,71 +1844,57 @@
           </a:bodyPr>
           <a:lstStyle/>
           <a:p>
-            <a:pPr marL="685800" indent="-685800">
-              <a:buFont typeface="Arial" charset="0"/>
-              <a:buChar char="•"/>
-            </a:pPr>
-            <a:r>
-              <a:rPr lang="en-US" sz="4800" dirty="0" smtClean="0">
-                <a:latin typeface="Helvetica Neue" charset="0"/>
-                <a:ea typeface="Helvetica Neue" charset="0"/>
-                <a:cs typeface="Helvetica Neue" charset="0"/>
-              </a:rPr>
-              <a:t>Rampant deployment of </a:t>
-            </a:r>
-            <a:r>
-              <a:rPr lang="en-US" sz="4800" dirty="0" err="1" smtClean="0">
-                <a:latin typeface="Helvetica Neue" charset="0"/>
-                <a:ea typeface="Helvetica Neue" charset="0"/>
-                <a:cs typeface="Helvetica Neue" charset="0"/>
-              </a:rPr>
-              <a:t>middleboxes</a:t>
-            </a:r>
-            <a:r>
-              <a:rPr lang="en-US" sz="4800" dirty="0" smtClean="0">
-                <a:latin typeface="Helvetica Neue" charset="0"/>
-                <a:ea typeface="Helvetica Neue" charset="0"/>
-                <a:cs typeface="Helvetica Neue" charset="0"/>
-              </a:rPr>
-              <a:t> means the Internet is no longer end-to-end.</a:t>
+            <a:r>
+              <a:rPr lang="en-US" sz="4000" b="1" dirty="0" smtClean="0">
+                <a:latin typeface="Helvetica Neue" charset="0"/>
+                <a:ea typeface="Helvetica Neue" charset="0"/>
+                <a:cs typeface="Helvetica Neue" charset="0"/>
+              </a:rPr>
+              <a:t>Motivation</a:t>
+            </a:r>
+            <a:r>
+              <a:rPr lang="en-US" sz="4000" dirty="0" smtClean="0">
+                <a:latin typeface="Helvetica Neue" charset="0"/>
+                <a:ea typeface="Helvetica Neue" charset="0"/>
+                <a:cs typeface="Helvetica Neue" charset="0"/>
+              </a:rPr>
+              <a:t>: Efforts to design protocols and protocol extensions to work in the face of rampant </a:t>
+            </a:r>
+            <a:r>
+              <a:rPr lang="en-US" sz="4000" dirty="0" err="1" smtClean="0">
+                <a:latin typeface="Helvetica Neue" charset="0"/>
+                <a:ea typeface="Helvetica Neue" charset="0"/>
+                <a:cs typeface="Helvetica Neue" charset="0"/>
+              </a:rPr>
+              <a:t>middlebox</a:t>
+            </a:r>
+            <a:r>
+              <a:rPr lang="en-US" sz="4000" dirty="0" smtClean="0">
+                <a:latin typeface="Helvetica Neue" charset="0"/>
+                <a:ea typeface="Helvetica Neue" charset="0"/>
+                <a:cs typeface="Helvetica Neue" charset="0"/>
+              </a:rPr>
+              <a:t> interference in the Internet need quantitative data about the </a:t>
+            </a:r>
+            <a:r>
+              <a:rPr lang="en-US" sz="4000" b="1" dirty="0" smtClean="0">
+                <a:latin typeface="Helvetica Neue" charset="0"/>
+                <a:ea typeface="Helvetica Neue" charset="0"/>
+                <a:cs typeface="Helvetica Neue" charset="0"/>
+              </a:rPr>
+              <a:t>prevalence</a:t>
+            </a:r>
+            <a:r>
+              <a:rPr lang="en-US" sz="4000" dirty="0" smtClean="0">
+                <a:latin typeface="Helvetica Neue" charset="0"/>
+                <a:ea typeface="Helvetica Neue" charset="0"/>
+                <a:cs typeface="Helvetica Neue" charset="0"/>
+              </a:rPr>
+              <a:t> of different types of interference.</a:t>
             </a:r>
           </a:p>
           <a:p>
-            <a:pPr marL="685800" indent="-685800">
-              <a:buFont typeface="Arial" charset="0"/>
-              <a:buChar char="•"/>
-            </a:pPr>
-            <a:r>
-              <a:rPr lang="en-US" sz="4800" dirty="0" smtClean="0">
-                <a:latin typeface="Helvetica Neue" charset="0"/>
-                <a:ea typeface="Helvetica Neue" charset="0"/>
-                <a:cs typeface="Helvetica Neue" charset="0"/>
-              </a:rPr>
-              <a:t>New protocols and protocol extensions need to work around impairments on path</a:t>
-            </a:r>
-          </a:p>
-          <a:p>
-            <a:pPr marL="685800" indent="-685800">
-              <a:buFont typeface="Arial" charset="0"/>
-              <a:buChar char="•"/>
-            </a:pPr>
-            <a:r>
-              <a:rPr lang="en-US" sz="4800" dirty="0" smtClean="0">
-                <a:latin typeface="Helvetica Neue" charset="0"/>
-                <a:ea typeface="Helvetica Neue" charset="0"/>
-                <a:cs typeface="Helvetica Neue" charset="0"/>
-              </a:rPr>
-              <a:t>These efforts should be guided by data about  relative prevalence of these impairments</a:t>
-            </a:r>
-            <a:r>
-              <a:rPr lang="en-US" sz="4800" dirty="0" smtClean="0">
-                <a:latin typeface="Helvetica Neue" charset="0"/>
-                <a:ea typeface="Helvetica Neue" charset="0"/>
-                <a:cs typeface="Helvetica Neue" charset="0"/>
-              </a:rPr>
-              <a:t>.</a:t>
-            </a:r>
-            <a:endParaRPr lang="en-US" sz="4800" dirty="0">
+            <a:endParaRPr lang="en-US" sz="4000" dirty="0" smtClean="0">
               <a:latin typeface="Helvetica Neue" charset="0"/>
               <a:ea typeface="Helvetica Neue" charset="0"/>
               <a:cs typeface="Helvetica Neue" charset="0"/>
@@ -1998,49 +1902,64 @@
           </a:p>
           <a:p>
             <a:r>
-              <a:rPr lang="en-US" sz="4800" dirty="0" smtClean="0">
-                <a:latin typeface="Helvetica Neue" charset="0"/>
-                <a:ea typeface="Helvetica Neue" charset="0"/>
-                <a:cs typeface="Helvetica Neue" charset="0"/>
-              </a:rPr>
-              <a:t>How to make this data available to networking research and operations communities?</a:t>
-            </a:r>
-            <a:endParaRPr lang="en-US" sz="4800" dirty="0" smtClean="0">
+              <a:rPr lang="en-US" sz="4000" b="1" dirty="0" smtClean="0">
+                <a:latin typeface="Helvetica Neue" charset="0"/>
+                <a:ea typeface="Helvetica Neue" charset="0"/>
+                <a:cs typeface="Helvetica Neue" charset="0"/>
+              </a:rPr>
+              <a:t>Problem</a:t>
+            </a:r>
+            <a:r>
+              <a:rPr lang="en-US" sz="4000" dirty="0" smtClean="0">
+                <a:latin typeface="Helvetica Neue" charset="0"/>
+                <a:ea typeface="Helvetica Neue" charset="0"/>
+                <a:cs typeface="Helvetica Neue" charset="0"/>
+              </a:rPr>
+              <a:t>: How to make this data available to networking research, engineering and operations communities?</a:t>
+            </a:r>
+          </a:p>
+          <a:p>
+            <a:endParaRPr lang="en-US" sz="4000" dirty="0">
               <a:latin typeface="Helvetica Neue" charset="0"/>
               <a:ea typeface="Helvetica Neue" charset="0"/>
               <a:cs typeface="Helvetica Neue" charset="0"/>
             </a:endParaRPr>
           </a:p>
           <a:p>
-            <a:pPr marL="685800" indent="-685800">
-              <a:buFont typeface="Arial" charset="0"/>
-              <a:buChar char="•"/>
-            </a:pPr>
-            <a:endParaRPr lang="en-US" sz="4800" dirty="0" smtClean="0">
-              <a:latin typeface="Helvetica Neue" charset="0"/>
-              <a:ea typeface="Helvetica Neue" charset="0"/>
-              <a:cs typeface="Helvetica Neue" charset="0"/>
-            </a:endParaRPr>
-          </a:p>
-          <a:p>
-            <a:r>
-              <a:rPr lang="en-US" sz="4800" dirty="0" smtClean="0">
-                <a:latin typeface="Helvetica Neue" charset="0"/>
-                <a:ea typeface="Helvetica Neue" charset="0"/>
-                <a:cs typeface="Helvetica Neue" charset="0"/>
-              </a:rPr>
-              <a:t>→ </a:t>
-            </a:r>
-            <a:r>
-              <a:rPr lang="en-US" sz="4800" dirty="0" smtClean="0">
-                <a:latin typeface="Helvetica Neue" charset="0"/>
-                <a:ea typeface="Helvetica Neue" charset="0"/>
-                <a:cs typeface="Helvetica Neue" charset="0"/>
-              </a:rPr>
-              <a:t>build an open repository around a common data model for </a:t>
-            </a:r>
-            <a:r>
-              <a:rPr lang="en-US" sz="4800" b="1" dirty="0" smtClean="0">
+            <a:r>
+              <a:rPr lang="en-US" sz="4000" b="1" dirty="0" smtClean="0">
+                <a:latin typeface="Helvetica Neue" charset="0"/>
+                <a:ea typeface="Helvetica Neue" charset="0"/>
+                <a:cs typeface="Helvetica Neue" charset="0"/>
+              </a:rPr>
+              <a:t>Approach</a:t>
+            </a:r>
+            <a:r>
+              <a:rPr lang="en-US" sz="4000" dirty="0" smtClean="0">
+                <a:latin typeface="Helvetica Neue" charset="0"/>
+                <a:ea typeface="Helvetica Neue" charset="0"/>
+                <a:cs typeface="Helvetica Neue" charset="0"/>
+              </a:rPr>
+              <a:t>: </a:t>
+            </a:r>
+            <a:r>
+              <a:rPr lang="en-US" sz="4000" dirty="0" smtClean="0">
+                <a:latin typeface="Helvetica Neue" charset="0"/>
+                <a:ea typeface="Helvetica Neue" charset="0"/>
+                <a:cs typeface="Helvetica Neue" charset="0"/>
+              </a:rPr>
+              <a:t>build </a:t>
+            </a:r>
+            <a:r>
+              <a:rPr lang="en-US" sz="4000" dirty="0" smtClean="0">
+                <a:latin typeface="Helvetica Neue" charset="0"/>
+                <a:ea typeface="Helvetica Neue" charset="0"/>
+                <a:cs typeface="Helvetica Neue" charset="0"/>
+              </a:rPr>
+              <a:t>an open repository around a common data model for </a:t>
+            </a:r>
+            <a:r>
+              <a:rPr lang="en-US" sz="4000" b="1" dirty="0" smtClean="0">
                 <a:latin typeface="Helvetica Neue" charset="0"/>
                 <a:ea typeface="Helvetica Neue" charset="0"/>
                 <a:cs typeface="Helvetica Neue" charset="0"/>
@@ -2048,7 +1967,7 @@
               <a:t>comparable</a:t>
             </a:r>
             <a:r>
-              <a:rPr lang="en-US" sz="4800" dirty="0" smtClean="0">
+              <a:rPr lang="en-US" sz="4000" dirty="0" smtClean="0">
                 <a:latin typeface="Helvetica Neue" charset="0"/>
                 <a:ea typeface="Helvetica Neue" charset="0"/>
                 <a:cs typeface="Helvetica Neue" charset="0"/>
@@ -2056,7 +1975,7 @@
               <a:t> and </a:t>
             </a:r>
             <a:r>
-              <a:rPr lang="en-US" sz="4800" b="1" dirty="0" smtClean="0">
+              <a:rPr lang="en-US" sz="4000" b="1" dirty="0" smtClean="0">
                 <a:latin typeface="Helvetica Neue" charset="0"/>
                 <a:ea typeface="Helvetica Neue" charset="0"/>
                 <a:cs typeface="Helvetica Neue" charset="0"/>
@@ -2064,12 +1983,44 @@
               <a:t>repeatable</a:t>
             </a:r>
             <a:r>
-              <a:rPr lang="en-US" sz="4800" dirty="0" smtClean="0">
-                <a:latin typeface="Helvetica Neue" charset="0"/>
-                <a:ea typeface="Helvetica Neue" charset="0"/>
-                <a:cs typeface="Helvetica Neue" charset="0"/>
-              </a:rPr>
-              <a:t> measurement of these phenomena.</a:t>
+              <a:rPr lang="en-US" sz="4000" dirty="0" smtClean="0">
+                <a:latin typeface="Helvetica Neue" charset="0"/>
+                <a:ea typeface="Helvetica Neue" charset="0"/>
+                <a:cs typeface="Helvetica Neue" charset="0"/>
+              </a:rPr>
+              <a:t> measurement </a:t>
+            </a:r>
+            <a:r>
+              <a:rPr lang="en-US" sz="4000" dirty="0" smtClean="0">
+                <a:latin typeface="Helvetica Neue" charset="0"/>
+                <a:ea typeface="Helvetica Neue" charset="0"/>
+                <a:cs typeface="Helvetica Neue" charset="0"/>
+              </a:rPr>
+              <a:t>of </a:t>
+            </a:r>
+            <a:r>
+              <a:rPr lang="en-US" sz="4000" b="1" dirty="0" smtClean="0">
+                <a:latin typeface="Helvetica Neue" charset="0"/>
+                <a:ea typeface="Helvetica Neue" charset="0"/>
+                <a:cs typeface="Helvetica Neue" charset="0"/>
+              </a:rPr>
+              <a:t>observations </a:t>
+            </a:r>
+            <a:r>
+              <a:rPr lang="en-US" sz="4000" dirty="0" smtClean="0">
+                <a:latin typeface="Helvetica Neue" charset="0"/>
+                <a:ea typeface="Helvetica Neue" charset="0"/>
+                <a:cs typeface="Helvetica Neue" charset="0"/>
+              </a:rPr>
+              <a:t>of </a:t>
+            </a:r>
+            <a:r>
+              <a:rPr lang="en-US" sz="4000" dirty="0" smtClean="0">
+                <a:latin typeface="Helvetica Neue" charset="0"/>
+                <a:ea typeface="Helvetica Neue" charset="0"/>
+                <a:cs typeface="Helvetica Neue" charset="0"/>
+              </a:rPr>
+              <a:t>these phenomena.</a:t>
             </a:r>
           </a:p>
         </p:txBody>
@@ -2082,8 +2033,8 @@
         </p:nvSpPr>
         <p:spPr>
           <a:xfrm>
-            <a:off x="666000" y="17407800"/>
-            <a:ext cx="14095029" cy="1569660"/>
+            <a:off x="719423" y="15179398"/>
+            <a:ext cx="14095029" cy="1323439"/>
           </a:xfrm>
           <a:prstGeom prst="rect">
             <a:avLst/>
@@ -2098,7 +2049,7 @@
           <a:p>
             <a:pPr algn="ctr"/>
             <a:r>
-              <a:rPr lang="en-US" sz="4800" b="1" dirty="0" smtClean="0">
+              <a:rPr lang="en-US" sz="4000" b="1" dirty="0" smtClean="0">
                 <a:latin typeface="Helvetica Neue" charset="0"/>
                 <a:ea typeface="Helvetica Neue" charset="0"/>
                 <a:cs typeface="Helvetica Neue" charset="0"/>
@@ -2106,7 +2057,7 @@
               <a:t>Observation</a:t>
             </a:r>
             <a:r>
-              <a:rPr lang="en-US" sz="4800" dirty="0" smtClean="0">
+              <a:rPr lang="en-US" sz="4000" dirty="0" smtClean="0">
                 <a:latin typeface="Helvetica Neue" charset="0"/>
                 <a:ea typeface="Helvetica Neue" charset="0"/>
                 <a:cs typeface="Helvetica Neue" charset="0"/>
@@ -2114,7 +2065,7 @@
               <a:t>: an assertion that at a given </a:t>
             </a:r>
             <a:r>
-              <a:rPr lang="en-US" sz="4800" b="1" i="1" dirty="0" smtClean="0">
+              <a:rPr lang="en-US" sz="4000" b="1" i="1" dirty="0" smtClean="0">
                 <a:latin typeface="Helvetica Neue" charset="0"/>
                 <a:ea typeface="Helvetica Neue" charset="0"/>
                 <a:cs typeface="Helvetica Neue" charset="0"/>
@@ -2122,15 +2073,46 @@
               <a:t>time</a:t>
             </a:r>
             <a:r>
-              <a:rPr lang="en-US" sz="4800" dirty="0" smtClean="0">
-                <a:latin typeface="Helvetica Neue" charset="0"/>
-                <a:ea typeface="Helvetica Neue" charset="0"/>
-                <a:cs typeface="Helvetica Neue" charset="0"/>
-              </a:rPr>
-              <a:t> along a given </a:t>
-            </a:r>
-            <a:r>
-              <a:rPr lang="en-US" sz="4800" b="1" i="1" dirty="0" smtClean="0">
+              <a:rPr lang="en-US" sz="4000" dirty="0" smtClean="0">
+                <a:latin typeface="Helvetica Neue" charset="0"/>
+                <a:ea typeface="Helvetica Neue" charset="0"/>
+                <a:cs typeface="Helvetica Neue" charset="0"/>
+              </a:rPr>
+              <a:t> along </a:t>
+            </a:r>
+            <a:r>
+              <a:rPr lang="en-US" sz="4000" dirty="0" smtClean="0">
+                <a:latin typeface="Helvetica Neue" charset="0"/>
+                <a:ea typeface="Helvetica Neue" charset="0"/>
+                <a:cs typeface="Helvetica Neue" charset="0"/>
+              </a:rPr>
+              <a:t/>
+            </a:r>
+            <a:br>
+              <a:rPr lang="en-US" sz="4000" dirty="0" smtClean="0">
+                <a:latin typeface="Helvetica Neue" charset="0"/>
+                <a:ea typeface="Helvetica Neue" charset="0"/>
+                <a:cs typeface="Helvetica Neue" charset="0"/>
+              </a:rPr>
+            </a:br>
+            <a:r>
+              <a:rPr lang="en-US" sz="4000" dirty="0" smtClean="0">
+                <a:latin typeface="Helvetica Neue" charset="0"/>
+                <a:ea typeface="Helvetica Neue" charset="0"/>
+                <a:cs typeface="Helvetica Neue" charset="0"/>
+              </a:rPr>
+              <a:t>a </a:t>
+            </a:r>
+            <a:r>
+              <a:rPr lang="en-US" sz="4000" dirty="0" smtClean="0">
+                <a:latin typeface="Helvetica Neue" charset="0"/>
+                <a:ea typeface="Helvetica Neue" charset="0"/>
+                <a:cs typeface="Helvetica Neue" charset="0"/>
+              </a:rPr>
+              <a:t>given </a:t>
+            </a:r>
+            <a:r>
+              <a:rPr lang="en-US" sz="4000" b="1" i="1" dirty="0" smtClean="0">
                 <a:latin typeface="Helvetica Neue" charset="0"/>
                 <a:ea typeface="Helvetica Neue" charset="0"/>
                 <a:cs typeface="Helvetica Neue" charset="0"/>
@@ -2138,7 +2120,7 @@
               <a:t>path</a:t>
             </a:r>
             <a:r>
-              <a:rPr lang="en-US" sz="4800" dirty="0" smtClean="0">
+              <a:rPr lang="en-US" sz="4000" dirty="0" smtClean="0">
                 <a:latin typeface="Helvetica Neue" charset="0"/>
                 <a:ea typeface="Helvetica Neue" charset="0"/>
                 <a:cs typeface="Helvetica Neue" charset="0"/>
@@ -2146,7 +2128,7 @@
               <a:t>, a given </a:t>
             </a:r>
             <a:r>
-              <a:rPr lang="en-US" sz="4800" b="1" i="1" dirty="0" smtClean="0">
+              <a:rPr lang="en-US" sz="4000" b="1" i="1" dirty="0" smtClean="0">
                 <a:latin typeface="Helvetica Neue" charset="0"/>
                 <a:ea typeface="Helvetica Neue" charset="0"/>
                 <a:cs typeface="Helvetica Neue" charset="0"/>
@@ -2154,7 +2136,7 @@
               <a:t>condition</a:t>
             </a:r>
             <a:r>
-              <a:rPr lang="en-US" sz="4800" dirty="0">
+              <a:rPr lang="en-US" sz="4000" dirty="0">
                 <a:latin typeface="Helvetica Neue" charset="0"/>
                 <a:ea typeface="Helvetica Neue" charset="0"/>
                 <a:cs typeface="Helvetica Neue" charset="0"/>
@@ -2162,26 +2144,13 @@
               <a:t> </a:t>
             </a:r>
             <a:r>
-              <a:rPr lang="en-US" sz="4800" dirty="0" smtClean="0">
-                <a:latin typeface="Helvetica Neue" charset="0"/>
-                <a:ea typeface="Helvetica Neue" charset="0"/>
-                <a:cs typeface="Helvetica Neue" charset="0"/>
-              </a:rPr>
-              <a:t>held</a:t>
-            </a:r>
-            <a:r>
-              <a:rPr lang="en-US" sz="4800" dirty="0" smtClean="0">
-                <a:latin typeface="Helvetica Neue" charset="0"/>
-                <a:ea typeface="Helvetica Neue" charset="0"/>
-                <a:cs typeface="Helvetica Neue" charset="0"/>
-              </a:rPr>
-              <a:t>:</a:t>
-            </a:r>
-            <a:endParaRPr lang="en-US" sz="4800" dirty="0" smtClean="0">
-              <a:latin typeface="Helvetica Neue" charset="0"/>
-              <a:ea typeface="Helvetica Neue" charset="0"/>
-              <a:cs typeface="Helvetica Neue" charset="0"/>
-            </a:endParaRPr>
+              <a:rPr lang="en-US" sz="4000" dirty="0" smtClean="0">
+                <a:latin typeface="Helvetica Neue" charset="0"/>
+                <a:ea typeface="Helvetica Neue" charset="0"/>
+                <a:cs typeface="Helvetica Neue" charset="0"/>
+              </a:rPr>
+              <a:t>held:</a:t>
+            </a:r>
           </a:p>
         </p:txBody>
       </p:sp>
@@ -2193,8 +2162,8 @@
         </p:nvSpPr>
         <p:spPr>
           <a:xfrm>
-            <a:off x="921766" y="26196051"/>
-            <a:ext cx="13507501" cy="3046988"/>
+            <a:off x="1308398" y="21702242"/>
+            <a:ext cx="12946243" cy="2308324"/>
           </a:xfrm>
           <a:prstGeom prst="rect">
             <a:avLst/>
@@ -2209,23 +2178,31 @@
           <a:p>
             <a:pPr algn="ctr"/>
             <a:r>
-              <a:rPr lang="en-US" sz="4800" b="1" dirty="0" smtClean="0">
-                <a:latin typeface="Helvetica Neue" charset="0"/>
-                <a:ea typeface="Helvetica Neue" charset="0"/>
-                <a:cs typeface="Helvetica Neue" charset="0"/>
-              </a:rPr>
-              <a:t>Conditions</a:t>
-            </a:r>
-            <a:r>
-              <a:rPr lang="en-US" sz="4800" dirty="0" smtClean="0">
-                <a:latin typeface="Helvetica Neue" charset="0"/>
-                <a:ea typeface="Helvetica Neue" charset="0"/>
-                <a:cs typeface="Helvetica Neue" charset="0"/>
-              </a:rPr>
-              <a:t> are defined in a structured namespace oriented to assign </a:t>
-            </a:r>
-            <a:r>
-              <a:rPr lang="en-US" sz="4800" i="1" dirty="0" smtClean="0">
+              <a:rPr lang="en-US" sz="3600" b="1" dirty="0" smtClean="0">
+                <a:latin typeface="Helvetica Neue" charset="0"/>
+                <a:ea typeface="Helvetica Neue" charset="0"/>
+                <a:cs typeface="Helvetica Neue" charset="0"/>
+              </a:rPr>
+              <a:t>Condition: </a:t>
+            </a:r>
+            <a:r>
+              <a:rPr lang="en-US" sz="3600" dirty="0" smtClean="0">
+                <a:latin typeface="Helvetica Neue" charset="0"/>
+                <a:ea typeface="Helvetica Neue" charset="0"/>
+                <a:cs typeface="Helvetica Neue" charset="0"/>
+              </a:rPr>
+              <a:t>specific phenomenon observed on a path, defined </a:t>
+            </a:r>
+            <a:r>
+              <a:rPr lang="en-US" sz="3600" dirty="0" smtClean="0">
+                <a:latin typeface="Helvetica Neue" charset="0"/>
+                <a:ea typeface="Helvetica Neue" charset="0"/>
+                <a:cs typeface="Helvetica Neue" charset="0"/>
+              </a:rPr>
+              <a:t>in a structured namespace oriented to assign </a:t>
+            </a:r>
+            <a:r>
+              <a:rPr lang="en-US" sz="3600" i="1" dirty="0" smtClean="0">
                 <a:latin typeface="Helvetica Neue" charset="0"/>
                 <a:ea typeface="Helvetica Neue" charset="0"/>
                 <a:cs typeface="Helvetica Neue" charset="0"/>
@@ -2233,7 +2210,7 @@
               <a:t>states</a:t>
             </a:r>
             <a:r>
-              <a:rPr lang="en-US" sz="4800" dirty="0" smtClean="0">
+              <a:rPr lang="en-US" sz="3600" dirty="0" smtClean="0">
                 <a:latin typeface="Helvetica Neue" charset="0"/>
                 <a:ea typeface="Helvetica Neue" charset="0"/>
                 <a:cs typeface="Helvetica Neue" charset="0"/>
@@ -2241,7 +2218,7 @@
               <a:t> to </a:t>
             </a:r>
             <a:r>
-              <a:rPr lang="en-US" sz="4800" i="1" dirty="0" smtClean="0">
+              <a:rPr lang="en-US" sz="3600" i="1" dirty="0" smtClean="0">
                 <a:latin typeface="Helvetica Neue" charset="0"/>
                 <a:ea typeface="Helvetica Neue" charset="0"/>
                 <a:cs typeface="Helvetica Neue" charset="0"/>
@@ -2249,7 +2226,7 @@
               <a:t>aspects</a:t>
             </a:r>
             <a:r>
-              <a:rPr lang="en-US" sz="4800" dirty="0" smtClean="0">
+              <a:rPr lang="en-US" sz="3600" dirty="0" smtClean="0">
                 <a:latin typeface="Helvetica Neue" charset="0"/>
                 <a:ea typeface="Helvetica Neue" charset="0"/>
                 <a:cs typeface="Helvetica Neue" charset="0"/>
@@ -2257,7 +2234,7 @@
               <a:t> of attempts to use a given protocol </a:t>
             </a:r>
             <a:r>
-              <a:rPr lang="en-US" sz="4800" i="1" dirty="0" smtClean="0">
+              <a:rPr lang="en-US" sz="3600" i="1" dirty="0" smtClean="0">
                 <a:latin typeface="Helvetica Neue" charset="0"/>
                 <a:ea typeface="Helvetica Neue" charset="0"/>
                 <a:cs typeface="Helvetica Neue" charset="0"/>
@@ -2265,15 +2242,38 @@
               <a:t>feature</a:t>
             </a:r>
             <a:r>
-              <a:rPr lang="en-US" sz="4800" dirty="0" smtClean="0">
-                <a:latin typeface="Helvetica Neue" charset="0"/>
-                <a:ea typeface="Helvetica Neue" charset="0"/>
-                <a:cs typeface="Helvetica Neue" charset="0"/>
-              </a:rPr>
-              <a:t>, fostering </a:t>
-            </a:r>
-            <a:r>
-              <a:rPr lang="en-US" sz="4800" b="1" dirty="0" smtClean="0">
+              <a:rPr lang="en-US" sz="3600" dirty="0" smtClean="0">
+                <a:latin typeface="Helvetica Neue" charset="0"/>
+                <a:ea typeface="Helvetica Neue" charset="0"/>
+                <a:cs typeface="Helvetica Neue" charset="0"/>
+              </a:rPr>
+              <a:t>, </a:t>
+            </a:r>
+            <a:r>
+              <a:rPr lang="en-US" sz="3600" dirty="0" smtClean="0">
+                <a:latin typeface="Helvetica Neue" charset="0"/>
+                <a:ea typeface="Helvetica Neue" charset="0"/>
+                <a:cs typeface="Helvetica Neue" charset="0"/>
+              </a:rPr>
+              <a:t/>
+            </a:r>
+            <a:br>
+              <a:rPr lang="en-US" sz="3600" dirty="0" smtClean="0">
+                <a:latin typeface="Helvetica Neue" charset="0"/>
+                <a:ea typeface="Helvetica Neue" charset="0"/>
+                <a:cs typeface="Helvetica Neue" charset="0"/>
+              </a:rPr>
+            </a:br>
+            <a:r>
+              <a:rPr lang="en-US" sz="3600" dirty="0" smtClean="0">
+                <a:latin typeface="Helvetica Neue" charset="0"/>
+                <a:ea typeface="Helvetica Neue" charset="0"/>
+                <a:cs typeface="Helvetica Neue" charset="0"/>
+              </a:rPr>
+              <a:t>fostering </a:t>
+            </a:r>
+            <a:r>
+              <a:rPr lang="en-US" sz="3600" b="1" dirty="0" smtClean="0">
                 <a:latin typeface="Helvetica Neue" charset="0"/>
                 <a:ea typeface="Helvetica Neue" charset="0"/>
                 <a:cs typeface="Helvetica Neue" charset="0"/>
@@ -2281,7 +2281,7 @@
               <a:t>comparability</a:t>
             </a:r>
             <a:r>
-              <a:rPr lang="en-US" sz="4800" dirty="0" smtClean="0">
+              <a:rPr lang="en-US" sz="3600" dirty="0" smtClean="0">
                 <a:latin typeface="Helvetica Neue" charset="0"/>
                 <a:ea typeface="Helvetica Neue" charset="0"/>
                 <a:cs typeface="Helvetica Neue" charset="0"/>
@@ -2299,8 +2299,8 @@
         </p:nvSpPr>
         <p:spPr>
           <a:xfrm>
-            <a:off x="16688776" y="26196051"/>
-            <a:ext cx="11795745" cy="3046988"/>
+            <a:off x="16688776" y="24886261"/>
+            <a:ext cx="11795745" cy="2308324"/>
           </a:xfrm>
           <a:prstGeom prst="rect">
             <a:avLst/>
@@ -2315,7 +2315,7 @@
           <a:p>
             <a:pPr algn="ctr"/>
             <a:r>
-              <a:rPr lang="en-US" sz="4800" dirty="0" smtClean="0">
+              <a:rPr lang="en-US" sz="3600" dirty="0" smtClean="0">
                 <a:latin typeface="Helvetica Neue" charset="0"/>
                 <a:ea typeface="Helvetica Neue" charset="0"/>
                 <a:cs typeface="Helvetica Neue" charset="0"/>
@@ -2323,7 +2323,7 @@
               <a:t>Every object stored in the observatory, including queries, keeps its </a:t>
             </a:r>
             <a:r>
-              <a:rPr lang="en-US" sz="4800" i="1" dirty="0" smtClean="0">
+              <a:rPr lang="en-US" sz="3600" i="1" dirty="0" smtClean="0">
                 <a:latin typeface="Helvetica Neue" charset="0"/>
                 <a:ea typeface="Helvetica Neue" charset="0"/>
                 <a:cs typeface="Helvetica Neue" charset="0"/>
@@ -2331,7 +2331,7 @@
               <a:t>provenance</a:t>
             </a:r>
             <a:r>
-              <a:rPr lang="en-US" sz="4800" dirty="0" smtClean="0">
+              <a:rPr lang="en-US" sz="3600" dirty="0" smtClean="0">
                 <a:latin typeface="Helvetica Neue" charset="0"/>
                 <a:ea typeface="Helvetica Neue" charset="0"/>
                 <a:cs typeface="Helvetica Neue" charset="0"/>
@@ -2339,13 +2339,34 @@
               <a:t>, including arbitrary metadata, fostering measurement </a:t>
             </a:r>
             <a:r>
-              <a:rPr lang="en-US" sz="4800" b="1" dirty="0" smtClean="0">
-                <a:latin typeface="Helvetica Neue" charset="0"/>
-                <a:ea typeface="Helvetica Neue" charset="0"/>
-                <a:cs typeface="Helvetica Neue" charset="0"/>
-              </a:rPr>
-              <a:t>repeatability.</a:t>
-            </a:r>
+              <a:rPr lang="en-US" sz="3600" b="1" dirty="0" smtClean="0">
+                <a:latin typeface="Helvetica Neue" charset="0"/>
+                <a:ea typeface="Helvetica Neue" charset="0"/>
+                <a:cs typeface="Helvetica Neue" charset="0"/>
+              </a:rPr>
+              <a:t>repeatability</a:t>
+            </a:r>
+            <a:r>
+              <a:rPr lang="en-US" sz="3600" b="1" dirty="0" smtClean="0">
+                <a:latin typeface="Helvetica Neue" charset="0"/>
+                <a:ea typeface="Helvetica Neue" charset="0"/>
+                <a:cs typeface="Helvetica Neue" charset="0"/>
+              </a:rPr>
+              <a:t>.</a:t>
+            </a:r>
+            <a:r>
+              <a:rPr lang="en-US" sz="3600" dirty="0" smtClean="0">
+                <a:latin typeface="Helvetica Neue" charset="0"/>
+                <a:ea typeface="Helvetica Neue" charset="0"/>
+                <a:cs typeface="Helvetica Neue" charset="0"/>
+              </a:rPr>
+              <a:t> Following links yields all antecedents for any observation or aggregate.</a:t>
+            </a:r>
+            <a:endParaRPr lang="en-US" sz="3600" b="1" dirty="0" smtClean="0">
+              <a:latin typeface="Helvetica Neue" charset="0"/>
+              <a:ea typeface="Helvetica Neue" charset="0"/>
+              <a:cs typeface="Helvetica Neue" charset="0"/>
+            </a:endParaRPr>
           </a:p>
         </p:txBody>
       </p:sp>
@@ -2357,8 +2378,8 @@
         </p:nvSpPr>
         <p:spPr>
           <a:xfrm>
-            <a:off x="921766" y="20644336"/>
-            <a:ext cx="13507501" cy="4708981"/>
+            <a:off x="921764" y="18357119"/>
+            <a:ext cx="13507501" cy="1754326"/>
           </a:xfrm>
           <a:prstGeom prst="rect">
             <a:avLst/>
@@ -2373,23 +2394,78 @@
           <a:p>
             <a:pPr algn="ctr"/>
             <a:r>
-              <a:rPr lang="en-US" sz="4800" b="1" dirty="0" smtClean="0">
-                <a:latin typeface="Helvetica Neue" charset="0"/>
-                <a:ea typeface="Helvetica Neue" charset="0"/>
-                <a:cs typeface="Helvetica Neue" charset="0"/>
-              </a:rPr>
-              <a:t>Paths </a:t>
-            </a:r>
-            <a:r>
-              <a:rPr lang="en-US" sz="4800" dirty="0" smtClean="0">
-                <a:latin typeface="Helvetica Neue" charset="0"/>
-                <a:ea typeface="Helvetica Neue" charset="0"/>
-                <a:cs typeface="Helvetica Neue" charset="0"/>
-              </a:rPr>
-              <a:t>are defined as sequences of elements (addresses, prefixes, BGP ASN, pseudonyms), allowing multi-resolution storage and correlation with topographic information (e.g. </a:t>
-            </a:r>
-            <a:r>
-              <a:rPr lang="en-US" sz="4800" dirty="0" err="1" smtClean="0">
+              <a:rPr lang="en-US" sz="3600" b="1" dirty="0" smtClean="0">
+                <a:latin typeface="Helvetica Neue" charset="0"/>
+                <a:ea typeface="Helvetica Neue" charset="0"/>
+                <a:cs typeface="Helvetica Neue" charset="0"/>
+              </a:rPr>
+              <a:t>Path: </a:t>
+            </a:r>
+            <a:r>
+              <a:rPr lang="en-US" sz="3600" dirty="0" smtClean="0">
+                <a:latin typeface="Helvetica Neue" charset="0"/>
+                <a:ea typeface="Helvetica Neue" charset="0"/>
+                <a:cs typeface="Helvetica Neue" charset="0"/>
+              </a:rPr>
+              <a:t>sequence </a:t>
+            </a:r>
+            <a:r>
+              <a:rPr lang="en-US" sz="3600" dirty="0" smtClean="0">
+                <a:latin typeface="Helvetica Neue" charset="0"/>
+                <a:ea typeface="Helvetica Neue" charset="0"/>
+                <a:cs typeface="Helvetica Neue" charset="0"/>
+              </a:rPr>
+              <a:t>of elements (addresses, prefixes, BGP ASN, pseudonyms), allowing multi-resolution storage and </a:t>
+            </a:r>
+            <a:r>
+              <a:rPr lang="en-US" sz="3600" dirty="0" smtClean="0">
+                <a:latin typeface="Helvetica Neue" charset="0"/>
+                <a:ea typeface="Helvetica Neue" charset="0"/>
+                <a:cs typeface="Helvetica Neue" charset="0"/>
+              </a:rPr>
+              <a:t/>
+            </a:r>
+            <a:br>
+              <a:rPr lang="en-US" sz="3600" dirty="0" smtClean="0">
+                <a:latin typeface="Helvetica Neue" charset="0"/>
+                <a:ea typeface="Helvetica Neue" charset="0"/>
+                <a:cs typeface="Helvetica Neue" charset="0"/>
+              </a:rPr>
+            </a:br>
+            <a:r>
+              <a:rPr lang="en-US" sz="3600" dirty="0" smtClean="0">
+                <a:latin typeface="Helvetica Neue" charset="0"/>
+                <a:ea typeface="Helvetica Neue" charset="0"/>
+                <a:cs typeface="Helvetica Neue" charset="0"/>
+              </a:rPr>
+              <a:t>correlation </a:t>
+            </a:r>
+            <a:r>
+              <a:rPr lang="en-US" sz="3600" dirty="0" smtClean="0">
+                <a:latin typeface="Helvetica Neue" charset="0"/>
+                <a:ea typeface="Helvetica Neue" charset="0"/>
+                <a:cs typeface="Helvetica Neue" charset="0"/>
+              </a:rPr>
+              <a:t>with </a:t>
+            </a:r>
+            <a:r>
+              <a:rPr lang="en-US" sz="3600" dirty="0" smtClean="0">
+                <a:latin typeface="Helvetica Neue" charset="0"/>
+                <a:ea typeface="Helvetica Neue" charset="0"/>
+                <a:cs typeface="Helvetica Neue" charset="0"/>
+              </a:rPr>
+              <a:t>topology (</a:t>
+            </a:r>
+            <a:r>
+              <a:rPr lang="en-US" sz="3600" dirty="0" smtClean="0">
+                <a:latin typeface="Helvetica Neue" charset="0"/>
+                <a:ea typeface="Helvetica Neue" charset="0"/>
+                <a:cs typeface="Helvetica Neue" charset="0"/>
+              </a:rPr>
+              <a:t>e.g. </a:t>
+            </a:r>
+            <a:r>
+              <a:rPr lang="en-US" sz="3600" dirty="0" err="1" smtClean="0">
                 <a:latin typeface="Helvetica Neue" charset="0"/>
                 <a:ea typeface="Helvetica Neue" charset="0"/>
                 <a:cs typeface="Helvetica Neue" charset="0"/>
@@ -2397,160 +2473,18 @@
               <a:t>Tracebox</a:t>
             </a:r>
             <a:r>
-              <a:rPr lang="en-US" sz="4800" dirty="0" smtClean="0">
+              <a:rPr lang="en-US" sz="3600" dirty="0" smtClean="0">
                 <a:latin typeface="Helvetica Neue" charset="0"/>
                 <a:ea typeface="Helvetica Neue" charset="0"/>
                 <a:cs typeface="Helvetica Neue" charset="0"/>
               </a:rPr>
               <a:t>)</a:t>
             </a:r>
-          </a:p>
-          <a:p>
-            <a:pPr algn="ctr"/>
-            <a:endParaRPr lang="en-US" sz="4800" dirty="0">
+            <a:endParaRPr lang="en-US" sz="3600" dirty="0" smtClean="0">
               <a:latin typeface="Helvetica Neue" charset="0"/>
               <a:ea typeface="Helvetica Neue" charset="0"/>
               <a:cs typeface="Helvetica Neue" charset="0"/>
             </a:endParaRPr>
-          </a:p>
-          <a:p>
-            <a:pPr algn="ctr"/>
-            <a:r>
-              <a:rPr lang="en-US" sz="6000" dirty="0" smtClean="0">
-                <a:latin typeface="Helvetica Neue" charset="0"/>
-                <a:ea typeface="Helvetica Neue" charset="0"/>
-                <a:cs typeface="Helvetica Neue" charset="0"/>
-              </a:rPr>
-              <a:t>[IP</a:t>
-            </a:r>
-            <a:r>
-              <a:rPr lang="en-US" sz="6000" baseline="-25000" dirty="0" smtClean="0">
-                <a:latin typeface="Helvetica Neue" charset="0"/>
-                <a:ea typeface="Helvetica Neue" charset="0"/>
-                <a:cs typeface="Helvetica Neue" charset="0"/>
-              </a:rPr>
-              <a:t>0</a:t>
-            </a:r>
-            <a:r>
-              <a:rPr lang="en-US" sz="6000" dirty="0" smtClean="0">
-                <a:latin typeface="Helvetica Neue" charset="0"/>
-                <a:ea typeface="Helvetica Neue" charset="0"/>
-                <a:cs typeface="Helvetica Neue" charset="0"/>
-              </a:rPr>
-              <a:t> * IP</a:t>
-            </a:r>
-            <a:r>
-              <a:rPr lang="en-US" sz="6000" baseline="-25000" dirty="0" smtClean="0">
-                <a:latin typeface="Helvetica Neue" charset="0"/>
-                <a:ea typeface="Helvetica Neue" charset="0"/>
-                <a:cs typeface="Helvetica Neue" charset="0"/>
-              </a:rPr>
-              <a:t>8</a:t>
-            </a:r>
-            <a:r>
-              <a:rPr lang="en-US" sz="6000" dirty="0" smtClean="0">
-                <a:latin typeface="Helvetica Neue" charset="0"/>
-                <a:ea typeface="Helvetica Neue" charset="0"/>
-                <a:cs typeface="Helvetica Neue" charset="0"/>
-              </a:rPr>
-              <a:t>] → [IP</a:t>
-            </a:r>
-            <a:r>
-              <a:rPr lang="en-US" sz="6000" baseline="-25000" dirty="0" smtClean="0">
-                <a:latin typeface="Helvetica Neue" charset="0"/>
-                <a:ea typeface="Helvetica Neue" charset="0"/>
-                <a:cs typeface="Helvetica Neue" charset="0"/>
-              </a:rPr>
-              <a:t>0</a:t>
-            </a:r>
-            <a:r>
-              <a:rPr lang="en-US" sz="6000" dirty="0" smtClean="0">
-                <a:latin typeface="Helvetica Neue" charset="0"/>
-                <a:ea typeface="Helvetica Neue" charset="0"/>
-                <a:cs typeface="Helvetica Neue" charset="0"/>
-              </a:rPr>
-              <a:t> IP</a:t>
-            </a:r>
-            <a:r>
-              <a:rPr lang="en-US" sz="6000" baseline="-25000" dirty="0" smtClean="0">
-                <a:latin typeface="Helvetica Neue" charset="0"/>
-                <a:ea typeface="Helvetica Neue" charset="0"/>
-                <a:cs typeface="Helvetica Neue" charset="0"/>
-              </a:rPr>
-              <a:t>1</a:t>
-            </a:r>
-            <a:r>
-              <a:rPr lang="en-US" sz="6000" dirty="0" smtClean="0">
-                <a:latin typeface="Helvetica Neue" charset="0"/>
-                <a:ea typeface="Helvetica Neue" charset="0"/>
-                <a:cs typeface="Helvetica Neue" charset="0"/>
-              </a:rPr>
-              <a:t> AS</a:t>
-            </a:r>
-            <a:r>
-              <a:rPr lang="en-US" sz="6000" baseline="-25000" dirty="0" smtClean="0">
-                <a:latin typeface="Helvetica Neue" charset="0"/>
-                <a:ea typeface="Helvetica Neue" charset="0"/>
-                <a:cs typeface="Helvetica Neue" charset="0"/>
-              </a:rPr>
-              <a:t>3</a:t>
-            </a:r>
-            <a:r>
-              <a:rPr lang="en-US" sz="6000" dirty="0" smtClean="0">
-                <a:latin typeface="Helvetica Neue" charset="0"/>
-                <a:ea typeface="Helvetica Neue" charset="0"/>
-                <a:cs typeface="Helvetica Neue" charset="0"/>
-              </a:rPr>
-              <a:t> * AS</a:t>
-            </a:r>
-            <a:r>
-              <a:rPr lang="en-US" sz="6000" baseline="-25000" dirty="0" smtClean="0">
-                <a:latin typeface="Helvetica Neue" charset="0"/>
-                <a:ea typeface="Helvetica Neue" charset="0"/>
-                <a:cs typeface="Helvetica Neue" charset="0"/>
-              </a:rPr>
-              <a:t>5</a:t>
-            </a:r>
-            <a:r>
-              <a:rPr lang="en-US" sz="6000" dirty="0" smtClean="0">
-                <a:latin typeface="Helvetica Neue" charset="0"/>
-                <a:ea typeface="Helvetica Neue" charset="0"/>
-                <a:cs typeface="Helvetica Neue" charset="0"/>
-              </a:rPr>
-              <a:t> IP</a:t>
-            </a:r>
-            <a:r>
-              <a:rPr lang="en-US" sz="6000" baseline="-25000" dirty="0" smtClean="0">
-                <a:latin typeface="Helvetica Neue" charset="0"/>
-                <a:ea typeface="Helvetica Neue" charset="0"/>
-                <a:cs typeface="Helvetica Neue" charset="0"/>
-              </a:rPr>
-              <a:t>6</a:t>
-            </a:r>
-            <a:r>
-              <a:rPr lang="en-US" sz="6000" dirty="0" smtClean="0">
-                <a:latin typeface="Helvetica Neue" charset="0"/>
-                <a:ea typeface="Helvetica Neue" charset="0"/>
-                <a:cs typeface="Helvetica Neue" charset="0"/>
-              </a:rPr>
-              <a:t> * IP</a:t>
-            </a:r>
-            <a:r>
-              <a:rPr lang="en-US" sz="6000" baseline="-25000" dirty="0" smtClean="0">
-                <a:latin typeface="Helvetica Neue" charset="0"/>
-                <a:ea typeface="Helvetica Neue" charset="0"/>
-                <a:cs typeface="Helvetica Neue" charset="0"/>
-              </a:rPr>
-              <a:t>8</a:t>
-            </a:r>
-            <a:r>
-              <a:rPr lang="en-US" sz="6000" dirty="0" smtClean="0">
-                <a:latin typeface="Helvetica Neue" charset="0"/>
-                <a:ea typeface="Helvetica Neue" charset="0"/>
-                <a:cs typeface="Helvetica Neue" charset="0"/>
-              </a:rPr>
-              <a:t>]</a:t>
-            </a:r>
           </a:p>
         </p:txBody>
       </p:sp>
@@ -2562,8 +2496,8 @@
         </p:nvSpPr>
         <p:spPr>
           <a:xfrm>
-            <a:off x="16583948" y="7464167"/>
-            <a:ext cx="11795745" cy="3046988"/>
+            <a:off x="16688776" y="7262211"/>
+            <a:ext cx="11795745" cy="1754326"/>
           </a:xfrm>
           <a:prstGeom prst="rect">
             <a:avLst/>
@@ -2578,7 +2512,7 @@
           <a:p>
             <a:pPr algn="ctr"/>
             <a:r>
-              <a:rPr lang="en-US" sz="4800" dirty="0" smtClean="0">
+              <a:rPr lang="en-US" sz="3600" dirty="0" smtClean="0">
                 <a:latin typeface="Helvetica Neue" charset="0"/>
                 <a:ea typeface="Helvetica Neue" charset="0"/>
                 <a:cs typeface="Helvetica Neue" charset="0"/>
@@ -2586,7 +2520,7 @@
               <a:t>The PTO is implemented as a RESTful API, storing raw data files organized into campaigns, normalizing these into a </a:t>
             </a:r>
             <a:r>
-              <a:rPr lang="en-US" sz="4800" dirty="0" err="1" smtClean="0">
+              <a:rPr lang="en-US" sz="3600" dirty="0" err="1" smtClean="0">
                 <a:latin typeface="Helvetica Neue" charset="0"/>
                 <a:ea typeface="Helvetica Neue" charset="0"/>
                 <a:cs typeface="Helvetica Neue" charset="0"/>
@@ -2594,14 +2528,14 @@
               <a:t>queryable</a:t>
             </a:r>
             <a:r>
-              <a:rPr lang="en-US" sz="4800" dirty="0" smtClean="0">
+              <a:rPr lang="en-US" sz="3600" dirty="0" smtClean="0">
                 <a:latin typeface="Helvetica Neue" charset="0"/>
                 <a:ea typeface="Helvetica Neue" charset="0"/>
                 <a:cs typeface="Helvetica Neue" charset="0"/>
               </a:rPr>
               <a:t> observation database.</a:t>
             </a:r>
-            <a:endParaRPr lang="en-US" sz="4800" b="1" dirty="0" smtClean="0">
+            <a:endParaRPr lang="en-US" sz="3600" b="1" dirty="0" smtClean="0">
               <a:latin typeface="Helvetica Neue" charset="0"/>
               <a:ea typeface="Helvetica Neue" charset="0"/>
               <a:cs typeface="Helvetica Neue" charset="0"/>
@@ -2617,8 +2551,8 @@
         </p:nvSpPr>
         <p:spPr>
           <a:xfrm>
-            <a:off x="666000" y="17231798"/>
-            <a:ext cx="14356868" cy="20258602"/>
+            <a:off x="666000" y="14827942"/>
+            <a:ext cx="14356868" cy="22662458"/>
           </a:xfrm>
           <a:prstGeom prst="roundRect">
             <a:avLst>
@@ -2714,7 +2648,7 @@
           <p:nvPr/>
         </p:nvPicPr>
         <p:blipFill>
-          <a:blip r:embed="rId7">
+          <a:blip r:embed="rId5">
             <a:extLst/>
           </a:blip>
           <a:stretch>
@@ -2723,7 +2657,7 @@
         </p:blipFill>
         <p:spPr>
           <a:xfrm>
-            <a:off x="14010076" y="16036627"/>
+            <a:off x="14010076" y="13620436"/>
             <a:ext cx="2190750" cy="2190750"/>
           </a:xfrm>
           <a:prstGeom prst="rect">
@@ -2786,7 +2720,7 @@
                 <a:latin typeface="Helvetica Neue" charset="0"/>
                 <a:ea typeface="Helvetica Neue" charset="0"/>
                 <a:cs typeface="Helvetica Neue" charset="0"/>
-                <a:hlinkClick r:id="rId8"/>
+                <a:hlinkClick r:id="rId6"/>
               </a:rPr>
               <a:t>https://observatory.mami-project.eu/</a:t>
             </a:r>
@@ -2803,7 +2737,7 @@
                 <a:latin typeface="Helvetica Neue" charset="0"/>
                 <a:ea typeface="Helvetica Neue" charset="0"/>
                 <a:cs typeface="Helvetica Neue" charset="0"/>
-                <a:hlinkClick r:id="rId9"/>
+                <a:hlinkClick r:id="rId7"/>
               </a:rPr>
               <a:t>https://github.com/mami-project/pto3-go</a:t>
             </a:r>
@@ -2831,7 +2765,7 @@
         </p:nvSpPr>
         <p:spPr>
           <a:xfrm>
-            <a:off x="5121365" y="19213681"/>
+            <a:off x="5121365" y="16793513"/>
             <a:ext cx="4836580" cy="1154932"/>
           </a:xfrm>
           <a:prstGeom prst="rect">
@@ -2846,14 +2780,369 @@
           <a:p>
             <a:pPr algn="ctr"/>
             <a:r>
-              <a:rPr lang="en-US" b="1" i="1">
+              <a:rPr lang="en-US" b="1" i="1" dirty="0">
                 <a:latin typeface="Helvetica Neue" charset="0"/>
                 <a:ea typeface="Helvetica Neue" charset="0"/>
                 <a:cs typeface="Helvetica Neue" charset="0"/>
               </a:rPr>
               <a:t>O = {t, p, c}</a:t>
             </a:r>
-            <a:endParaRPr lang="en-US" b="1" i="1" dirty="0">
+          </a:p>
+        </p:txBody>
+      </p:sp>
+      <p:pic>
+        <p:nvPicPr>
+          <p:cNvPr id="4" name="Picture 3"/>
+          <p:cNvPicPr>
+            <a:picLocks noChangeAspect="1"/>
+          </p:cNvPicPr>
+          <p:nvPr/>
+        </p:nvPicPr>
+        <p:blipFill>
+          <a:blip r:embed="rId8"/>
+          <a:stretch>
+            <a:fillRect/>
+          </a:stretch>
+        </p:blipFill>
+        <p:spPr>
+          <a:xfrm>
+            <a:off x="1627519" y="31954340"/>
+            <a:ext cx="6394261" cy="2303748"/>
+          </a:xfrm>
+          <a:prstGeom prst="rect">
+            <a:avLst/>
+          </a:prstGeom>
+        </p:spPr>
+      </p:pic>
+      <p:pic>
+        <p:nvPicPr>
+          <p:cNvPr id="13" name="Picture 12"/>
+          <p:cNvPicPr>
+            <a:picLocks noChangeAspect="1"/>
+          </p:cNvPicPr>
+          <p:nvPr/>
+        </p:nvPicPr>
+        <p:blipFill>
+          <a:blip r:embed="rId9"/>
+          <a:stretch>
+            <a:fillRect/>
+          </a:stretch>
+        </p:blipFill>
+        <p:spPr>
+          <a:xfrm>
+            <a:off x="5227945" y="34794794"/>
+            <a:ext cx="8406753" cy="2333678"/>
+          </a:xfrm>
+          <a:prstGeom prst="rect">
+            <a:avLst/>
+          </a:prstGeom>
+        </p:spPr>
+      </p:pic>
+      <p:sp>
+        <p:nvSpPr>
+          <p:cNvPr id="14" name="Rectangle 13"/>
+          <p:cNvSpPr/>
+          <p:nvPr/>
+        </p:nvSpPr>
+        <p:spPr>
+          <a:xfrm>
+            <a:off x="-471733" y="20302959"/>
+            <a:ext cx="16022776" cy="830997"/>
+          </a:xfrm>
+          <a:prstGeom prst="rect">
+            <a:avLst/>
+          </a:prstGeom>
+        </p:spPr>
+        <p:txBody>
+          <a:bodyPr wrap="square">
+            <a:spAutoFit/>
+          </a:bodyPr>
+          <a:lstStyle/>
+          <a:p>
+            <a:pPr algn="ctr"/>
+            <a:r>
+              <a:rPr lang="en-US" sz="4800" dirty="0">
+                <a:latin typeface="Helvetica Neue" charset="0"/>
+                <a:ea typeface="Helvetica Neue" charset="0"/>
+                <a:cs typeface="Helvetica Neue" charset="0"/>
+              </a:rPr>
+              <a:t>[</a:t>
+            </a:r>
+            <a:r>
+              <a:rPr lang="en-US" sz="4800" dirty="0" smtClean="0">
+                <a:latin typeface="Helvetica Neue" charset="0"/>
+                <a:ea typeface="Helvetica Neue" charset="0"/>
+                <a:cs typeface="Helvetica Neue" charset="0"/>
+              </a:rPr>
+              <a:t>IP</a:t>
+            </a:r>
+            <a:r>
+              <a:rPr lang="en-US" sz="4800" baseline="-25000" dirty="0" smtClean="0">
+                <a:latin typeface="Helvetica Neue" charset="0"/>
+                <a:ea typeface="Helvetica Neue" charset="0"/>
+                <a:cs typeface="Helvetica Neue" charset="0"/>
+              </a:rPr>
+              <a:t>0,</a:t>
+            </a:r>
+            <a:r>
+              <a:rPr lang="en-US" sz="4800" dirty="0" smtClean="0">
+                <a:latin typeface="Helvetica Neue" charset="0"/>
+                <a:ea typeface="Helvetica Neue" charset="0"/>
+                <a:cs typeface="Helvetica Neue" charset="0"/>
+              </a:rPr>
+              <a:t> *</a:t>
+            </a:r>
+            <a:r>
+              <a:rPr lang="en-US" sz="4800" baseline="-25000" dirty="0" smtClean="0">
+                <a:latin typeface="Helvetica Neue" charset="0"/>
+                <a:ea typeface="Helvetica Neue" charset="0"/>
+                <a:cs typeface="Helvetica Neue" charset="0"/>
+              </a:rPr>
+              <a:t>,</a:t>
+            </a:r>
+            <a:r>
+              <a:rPr lang="en-US" sz="4800" dirty="0" smtClean="0">
+                <a:latin typeface="Helvetica Neue" charset="0"/>
+                <a:ea typeface="Helvetica Neue" charset="0"/>
+                <a:cs typeface="Helvetica Neue" charset="0"/>
+              </a:rPr>
+              <a:t> IP</a:t>
+            </a:r>
+            <a:r>
+              <a:rPr lang="en-US" sz="4800" baseline="-25000" dirty="0" smtClean="0">
+                <a:latin typeface="Helvetica Neue" charset="0"/>
+                <a:ea typeface="Helvetica Neue" charset="0"/>
+                <a:cs typeface="Helvetica Neue" charset="0"/>
+              </a:rPr>
+              <a:t>8</a:t>
+            </a:r>
+            <a:r>
+              <a:rPr lang="en-US" sz="4800" dirty="0">
+                <a:latin typeface="Helvetica Neue" charset="0"/>
+                <a:ea typeface="Helvetica Neue" charset="0"/>
+                <a:cs typeface="Helvetica Neue" charset="0"/>
+              </a:rPr>
+              <a:t>] → [</a:t>
+            </a:r>
+            <a:r>
+              <a:rPr lang="en-US" sz="4800" dirty="0" smtClean="0">
+                <a:latin typeface="Helvetica Neue" charset="0"/>
+                <a:ea typeface="Helvetica Neue" charset="0"/>
+                <a:cs typeface="Helvetica Neue" charset="0"/>
+              </a:rPr>
+              <a:t>IP</a:t>
+            </a:r>
+            <a:r>
+              <a:rPr lang="en-US" sz="4800" baseline="-25000" dirty="0" smtClean="0">
+                <a:latin typeface="Helvetica Neue" charset="0"/>
+                <a:ea typeface="Helvetica Neue" charset="0"/>
+                <a:cs typeface="Helvetica Neue" charset="0"/>
+              </a:rPr>
+              <a:t>0,</a:t>
+            </a:r>
+            <a:r>
+              <a:rPr lang="en-US" sz="4800" dirty="0" smtClean="0">
+                <a:latin typeface="Helvetica Neue" charset="0"/>
+                <a:ea typeface="Helvetica Neue" charset="0"/>
+                <a:cs typeface="Helvetica Neue" charset="0"/>
+              </a:rPr>
+              <a:t> IP</a:t>
+            </a:r>
+            <a:r>
+              <a:rPr lang="en-US" sz="4800" baseline="-25000" dirty="0" smtClean="0">
+                <a:latin typeface="Helvetica Neue" charset="0"/>
+                <a:ea typeface="Helvetica Neue" charset="0"/>
+                <a:cs typeface="Helvetica Neue" charset="0"/>
+              </a:rPr>
+              <a:t>1,</a:t>
+            </a:r>
+            <a:r>
+              <a:rPr lang="en-US" sz="4800" dirty="0" smtClean="0">
+                <a:latin typeface="Helvetica Neue" charset="0"/>
+                <a:ea typeface="Helvetica Neue" charset="0"/>
+                <a:cs typeface="Helvetica Neue" charset="0"/>
+              </a:rPr>
+              <a:t> AS</a:t>
+            </a:r>
+            <a:r>
+              <a:rPr lang="en-US" sz="4800" baseline="-25000" dirty="0" smtClean="0">
+                <a:latin typeface="Helvetica Neue" charset="0"/>
+                <a:ea typeface="Helvetica Neue" charset="0"/>
+                <a:cs typeface="Helvetica Neue" charset="0"/>
+              </a:rPr>
+              <a:t>3,</a:t>
+            </a:r>
+            <a:r>
+              <a:rPr lang="en-US" sz="4800" dirty="0" smtClean="0">
+                <a:latin typeface="Helvetica Neue" charset="0"/>
+                <a:ea typeface="Helvetica Neue" charset="0"/>
+                <a:cs typeface="Helvetica Neue" charset="0"/>
+              </a:rPr>
+              <a:t> *</a:t>
+            </a:r>
+            <a:r>
+              <a:rPr lang="en-US" sz="4800" baseline="-25000" dirty="0" smtClean="0">
+                <a:latin typeface="Helvetica Neue" charset="0"/>
+                <a:ea typeface="Helvetica Neue" charset="0"/>
+                <a:cs typeface="Helvetica Neue" charset="0"/>
+              </a:rPr>
+              <a:t>,</a:t>
+            </a:r>
+            <a:r>
+              <a:rPr lang="en-US" sz="4800" dirty="0" smtClean="0">
+                <a:latin typeface="Helvetica Neue" charset="0"/>
+                <a:ea typeface="Helvetica Neue" charset="0"/>
+                <a:cs typeface="Helvetica Neue" charset="0"/>
+              </a:rPr>
+              <a:t> AS</a:t>
+            </a:r>
+            <a:r>
+              <a:rPr lang="en-US" sz="4800" baseline="-25000" dirty="0" smtClean="0">
+                <a:latin typeface="Helvetica Neue" charset="0"/>
+                <a:ea typeface="Helvetica Neue" charset="0"/>
+                <a:cs typeface="Helvetica Neue" charset="0"/>
+              </a:rPr>
+              <a:t>5,</a:t>
+            </a:r>
+            <a:r>
+              <a:rPr lang="en-US" sz="4800" dirty="0" smtClean="0">
+                <a:latin typeface="Helvetica Neue" charset="0"/>
+                <a:ea typeface="Helvetica Neue" charset="0"/>
+                <a:cs typeface="Helvetica Neue" charset="0"/>
+              </a:rPr>
+              <a:t> IP</a:t>
+            </a:r>
+            <a:r>
+              <a:rPr lang="en-US" sz="4800" baseline="-25000" dirty="0" smtClean="0">
+                <a:latin typeface="Helvetica Neue" charset="0"/>
+                <a:ea typeface="Helvetica Neue" charset="0"/>
+                <a:cs typeface="Helvetica Neue" charset="0"/>
+              </a:rPr>
+              <a:t>6,</a:t>
+            </a:r>
+            <a:r>
+              <a:rPr lang="en-US" sz="4800" dirty="0" smtClean="0">
+                <a:latin typeface="Helvetica Neue" charset="0"/>
+                <a:ea typeface="Helvetica Neue" charset="0"/>
+                <a:cs typeface="Helvetica Neue" charset="0"/>
+              </a:rPr>
+              <a:t> *</a:t>
+            </a:r>
+            <a:r>
+              <a:rPr lang="en-US" sz="4800" baseline="-25000" dirty="0" smtClean="0">
+                <a:latin typeface="Helvetica Neue" charset="0"/>
+                <a:ea typeface="Helvetica Neue" charset="0"/>
+                <a:cs typeface="Helvetica Neue" charset="0"/>
+              </a:rPr>
+              <a:t>,</a:t>
+            </a:r>
+            <a:r>
+              <a:rPr lang="en-US" sz="4800" dirty="0" smtClean="0">
+                <a:latin typeface="Helvetica Neue" charset="0"/>
+                <a:ea typeface="Helvetica Neue" charset="0"/>
+                <a:cs typeface="Helvetica Neue" charset="0"/>
+              </a:rPr>
+              <a:t> </a:t>
+            </a:r>
+            <a:r>
+              <a:rPr lang="en-US" sz="4800" dirty="0">
+                <a:latin typeface="Helvetica Neue" charset="0"/>
+                <a:ea typeface="Helvetica Neue" charset="0"/>
+                <a:cs typeface="Helvetica Neue" charset="0"/>
+              </a:rPr>
+              <a:t>IP</a:t>
+            </a:r>
+            <a:r>
+              <a:rPr lang="en-US" sz="4800" baseline="-25000" dirty="0">
+                <a:latin typeface="Helvetica Neue" charset="0"/>
+                <a:ea typeface="Helvetica Neue" charset="0"/>
+                <a:cs typeface="Helvetica Neue" charset="0"/>
+              </a:rPr>
+              <a:t>8</a:t>
+            </a:r>
+            <a:r>
+              <a:rPr lang="en-US" sz="4800" dirty="0">
+                <a:latin typeface="Helvetica Neue" charset="0"/>
+                <a:ea typeface="Helvetica Neue" charset="0"/>
+                <a:cs typeface="Helvetica Neue" charset="0"/>
+              </a:rPr>
+              <a:t>]</a:t>
+            </a:r>
+          </a:p>
+        </p:txBody>
+      </p:sp>
+      <p:sp>
+        <p:nvSpPr>
+          <p:cNvPr id="35" name="TextBox 34"/>
+          <p:cNvSpPr txBox="1"/>
+          <p:nvPr/>
+        </p:nvSpPr>
+        <p:spPr>
+          <a:xfrm>
+            <a:off x="1013186" y="30134447"/>
+            <a:ext cx="13507501" cy="1200329"/>
+          </a:xfrm>
+          <a:prstGeom prst="rect">
+            <a:avLst/>
+          </a:prstGeom>
+          <a:noFill/>
+        </p:spPr>
+        <p:txBody>
+          <a:bodyPr wrap="square" rtlCol="0">
+            <a:spAutoFit/>
+          </a:bodyPr>
+          <a:lstStyle/>
+          <a:p>
+            <a:pPr algn="ctr"/>
+            <a:r>
+              <a:rPr lang="en-US" sz="3600" i="1" dirty="0" smtClean="0">
+                <a:latin typeface="Helvetica Neue" charset="0"/>
+                <a:ea typeface="Helvetica Neue" charset="0"/>
+                <a:cs typeface="Helvetica Neue" charset="0"/>
+              </a:rPr>
+              <a:t>Aspect</a:t>
+            </a:r>
+            <a:r>
+              <a:rPr lang="en-US" sz="3600" b="1" dirty="0" smtClean="0">
+                <a:latin typeface="Helvetica Neue" charset="0"/>
+                <a:ea typeface="Helvetica Neue" charset="0"/>
+                <a:cs typeface="Helvetica Neue" charset="0"/>
+              </a:rPr>
+              <a:t> </a:t>
+            </a:r>
+            <a:r>
+              <a:rPr lang="en-US" sz="3600" dirty="0" smtClean="0">
+                <a:latin typeface="Helvetica Neue" charset="0"/>
+                <a:ea typeface="Helvetica Neue" charset="0"/>
+                <a:cs typeface="Helvetica Neue" charset="0"/>
+              </a:rPr>
+              <a:t>and </a:t>
+            </a:r>
+            <a:r>
+              <a:rPr lang="en-US" sz="3600" i="1" dirty="0" smtClean="0">
+                <a:latin typeface="Helvetica Neue" charset="0"/>
+                <a:ea typeface="Helvetica Neue" charset="0"/>
+                <a:cs typeface="Helvetica Neue" charset="0"/>
+              </a:rPr>
+              <a:t>state</a:t>
+            </a:r>
+            <a:r>
+              <a:rPr lang="en-US" sz="3600" dirty="0" smtClean="0">
+                <a:latin typeface="Helvetica Neue" charset="0"/>
+                <a:ea typeface="Helvetica Neue" charset="0"/>
+                <a:cs typeface="Helvetica Neue" charset="0"/>
+              </a:rPr>
+              <a:t> definition is feature-specific, based on examination of measurement data; e.g.:</a:t>
+            </a:r>
+            <a:r>
+              <a:rPr lang="en-US" sz="3600" b="1" dirty="0" smtClean="0">
+                <a:latin typeface="Helvetica Neue" charset="0"/>
+                <a:ea typeface="Helvetica Neue" charset="0"/>
+                <a:cs typeface="Helvetica Neue" charset="0"/>
+              </a:rPr>
+              <a:t> </a:t>
+            </a:r>
+            <a:endParaRPr lang="en-US" sz="3600" dirty="0" smtClean="0">
               <a:latin typeface="Helvetica Neue" charset="0"/>
               <a:ea typeface="Helvetica Neue" charset="0"/>
               <a:cs typeface="Helvetica Neue" charset="0"/>
@@ -2861,6 +3150,206 @@
           </a:p>
         </p:txBody>
       </p:sp>
+      <p:sp>
+        <p:nvSpPr>
+          <p:cNvPr id="36" name="TextBox 35"/>
+          <p:cNvSpPr txBox="1"/>
+          <p:nvPr/>
+        </p:nvSpPr>
+        <p:spPr>
+          <a:xfrm>
+            <a:off x="8462105" y="32078923"/>
+            <a:ext cx="5730731" cy="1015663"/>
+          </a:xfrm>
+          <a:prstGeom prst="rect">
+            <a:avLst/>
+          </a:prstGeom>
+          <a:noFill/>
+        </p:spPr>
+        <p:txBody>
+          <a:bodyPr wrap="square" rtlCol="0">
+            <a:spAutoFit/>
+          </a:bodyPr>
+          <a:lstStyle/>
+          <a:p>
+            <a:r>
+              <a:rPr lang="en-US" sz="3000" dirty="0" err="1">
+                <a:latin typeface="Inconsolata" charset="0"/>
+                <a:ea typeface="Inconsolata" charset="0"/>
+                <a:cs typeface="Inconsolata" charset="0"/>
+              </a:rPr>
+              <a:t>e</a:t>
+            </a:r>
+            <a:r>
+              <a:rPr lang="en-US" sz="3000" dirty="0" err="1" smtClean="0">
+                <a:latin typeface="Inconsolata" charset="0"/>
+                <a:ea typeface="Inconsolata" charset="0"/>
+                <a:cs typeface="Inconsolata" charset="0"/>
+              </a:rPr>
+              <a:t>cn.connectivity.broken</a:t>
+            </a:r>
+            <a:r>
+              <a:rPr lang="en-US" sz="3000" dirty="0" smtClean="0">
+                <a:latin typeface="Helvetica Neue" charset="0"/>
+                <a:ea typeface="Helvetica Neue" charset="0"/>
+                <a:cs typeface="Helvetica Neue" charset="0"/>
+              </a:rPr>
+              <a:t>: </a:t>
+            </a:r>
+          </a:p>
+          <a:p>
+            <a:r>
+              <a:rPr lang="en-US" sz="3000" dirty="0" smtClean="0">
+                <a:latin typeface="Helvetica Neue" charset="0"/>
+                <a:ea typeface="Helvetica Neue" charset="0"/>
+                <a:cs typeface="Helvetica Neue" charset="0"/>
+              </a:rPr>
+              <a:t>attempt to use ECN drops SYN</a:t>
+            </a:r>
+            <a:endParaRPr lang="en-US" sz="3000" dirty="0" smtClean="0">
+              <a:latin typeface="Helvetica Neue" charset="0"/>
+              <a:ea typeface="Helvetica Neue" charset="0"/>
+              <a:cs typeface="Helvetica Neue" charset="0"/>
+            </a:endParaRPr>
+          </a:p>
+        </p:txBody>
+      </p:sp>
+      <p:sp>
+        <p:nvSpPr>
+          <p:cNvPr id="39" name="TextBox 38"/>
+          <p:cNvSpPr txBox="1"/>
+          <p:nvPr/>
+        </p:nvSpPr>
+        <p:spPr>
+          <a:xfrm>
+            <a:off x="8523910" y="33227684"/>
+            <a:ext cx="5730731" cy="1015663"/>
+          </a:xfrm>
+          <a:prstGeom prst="rect">
+            <a:avLst/>
+          </a:prstGeom>
+          <a:noFill/>
+        </p:spPr>
+        <p:txBody>
+          <a:bodyPr wrap="square" rtlCol="0">
+            <a:spAutoFit/>
+          </a:bodyPr>
+          <a:lstStyle/>
+          <a:p>
+            <a:r>
+              <a:rPr lang="en-US" sz="3000" dirty="0" err="1" smtClean="0">
+                <a:latin typeface="Inconsolata" charset="0"/>
+                <a:ea typeface="Inconsolata" charset="0"/>
+                <a:cs typeface="Inconsolata" charset="0"/>
+              </a:rPr>
+              <a:t>tfo.syndata.failed</a:t>
+            </a:r>
+            <a:r>
+              <a:rPr lang="en-US" sz="3000" dirty="0" smtClean="0">
+                <a:latin typeface="Helvetica Neue" charset="0"/>
+                <a:ea typeface="Helvetica Neue" charset="0"/>
+                <a:cs typeface="Helvetica Neue" charset="0"/>
+              </a:rPr>
+              <a:t>: </a:t>
+            </a:r>
+          </a:p>
+          <a:p>
+            <a:r>
+              <a:rPr lang="en-US" sz="3000" dirty="0" smtClean="0">
+                <a:latin typeface="Helvetica Neue" charset="0"/>
+                <a:ea typeface="Helvetica Neue" charset="0"/>
+                <a:cs typeface="Helvetica Neue" charset="0"/>
+              </a:rPr>
+              <a:t>TFO data on SYN causes RST</a:t>
+            </a:r>
+            <a:endParaRPr lang="en-US" sz="3000" dirty="0" smtClean="0">
+              <a:latin typeface="Helvetica Neue" charset="0"/>
+              <a:ea typeface="Helvetica Neue" charset="0"/>
+              <a:cs typeface="Helvetica Neue" charset="0"/>
+            </a:endParaRPr>
+          </a:p>
+        </p:txBody>
+      </p:sp>
+      <p:cxnSp>
+        <p:nvCxnSpPr>
+          <p:cNvPr id="16" name="Straight Arrow Connector 15"/>
+          <p:cNvCxnSpPr>
+            <a:stCxn id="36" idx="1"/>
+          </p:cNvCxnSpPr>
+          <p:nvPr/>
+        </p:nvCxnSpPr>
+        <p:spPr>
+          <a:xfrm flipH="1">
+            <a:off x="7539655" y="32586755"/>
+            <a:ext cx="922450" cy="667082"/>
+          </a:xfrm>
+          <a:prstGeom prst="straightConnector1">
+            <a:avLst/>
+          </a:prstGeom>
+          <a:ln w="50800">
+            <a:solidFill>
+              <a:schemeClr val="bg2">
+                <a:lumMod val="75000"/>
+              </a:schemeClr>
+            </a:solidFill>
+            <a:tailEnd type="triangle"/>
+          </a:ln>
+        </p:spPr>
+        <p:style>
+          <a:lnRef idx="1">
+            <a:schemeClr val="accent1"/>
+          </a:lnRef>
+          <a:fillRef idx="0">
+            <a:schemeClr val="accent1"/>
+          </a:fillRef>
+          <a:effectRef idx="0">
+            <a:schemeClr val="accent1"/>
+          </a:effectRef>
+          <a:fontRef idx="minor">
+            <a:schemeClr val="tx1"/>
+          </a:fontRef>
+        </p:style>
+      </p:cxnSp>
+      <p:cxnSp>
+        <p:nvCxnSpPr>
+          <p:cNvPr id="18" name="Straight Arrow Connector 17"/>
+          <p:cNvCxnSpPr>
+            <a:stCxn id="39" idx="2"/>
+          </p:cNvCxnSpPr>
+          <p:nvPr/>
+        </p:nvCxnSpPr>
+        <p:spPr>
+          <a:xfrm flipH="1">
+            <a:off x="10739336" y="34243347"/>
+            <a:ext cx="649940" cy="2398846"/>
+          </a:xfrm>
+          <a:prstGeom prst="straightConnector1">
+            <a:avLst/>
+          </a:prstGeom>
+          <a:ln w="50800">
+            <a:solidFill>
+              <a:schemeClr val="bg2">
+                <a:lumMod val="75000"/>
+              </a:schemeClr>
+            </a:solidFill>
+            <a:tailEnd type="triangle"/>
+          </a:ln>
+        </p:spPr>
+        <p:style>
+          <a:lnRef idx="1">
+            <a:schemeClr val="accent1"/>
+          </a:lnRef>
+          <a:fillRef idx="0">
+            <a:schemeClr val="accent1"/>
+          </a:fillRef>
+          <a:effectRef idx="0">
+            <a:schemeClr val="accent1"/>
+          </a:effectRef>
+          <a:fontRef idx="minor">
+            <a:schemeClr val="tx1"/>
+          </a:fontRef>
+        </p:style>
+      </p:cxnSp>
     </p:spTree>
     <p:extLst>
       <p:ext uri="{BB962C8B-B14F-4D97-AF65-F5344CB8AC3E}">
